--- a/ClassMaterials/CollisionHandling/Slides/Part3-MultipleDispatch.pptx
+++ b/ClassMaterials/CollisionHandling/Slides/Part3-MultipleDispatch.pptx
@@ -284,7 +284,7 @@
             <a:fld id="{68AFFCC9-E980-4A2E-8F84-91052C1F2C22}" type="datetime1">
               <a:rPr lang="en-US"/>
               <a:pPr/>
-              <a:t>5/10/2020</a:t>
+              <a:t>2/1/2024</a:t>
             </a:fld>
             <a:endParaRPr lang="en-US"/>
           </a:p>
@@ -513,7 +513,7 @@
             <a:fld id="{C4411CED-79EF-4046-B79B-F8927B54B6B0}" type="datetime1">
               <a:rPr lang="en-US"/>
               <a:pPr/>
-              <a:t>5/10/2020</a:t>
+              <a:t>2/1/2024</a:t>
             </a:fld>
             <a:endParaRPr lang="en-US"/>
           </a:p>
@@ -589,39 +589,37 @@
           <a:p>
             <a:pPr lvl="0"/>
             <a:r>
-              <a:rPr lang="en-US" noProof="0" smtClean="0"/>
+              <a:rPr lang="en-US" noProof="0"/>
               <a:t>Click to edit Master text styles</a:t>
             </a:r>
-            <a:endParaRPr lang="en-US" noProof="0"/>
           </a:p>
           <a:p>
             <a:pPr lvl="1"/>
             <a:r>
-              <a:rPr lang="en-US" noProof="0" smtClean="0"/>
+              <a:rPr lang="en-US" noProof="0"/>
               <a:t>Second level</a:t>
             </a:r>
           </a:p>
           <a:p>
             <a:pPr lvl="2"/>
             <a:r>
-              <a:rPr lang="en-US" noProof="0" smtClean="0"/>
+              <a:rPr lang="en-US" noProof="0"/>
               <a:t>Third level</a:t>
             </a:r>
           </a:p>
           <a:p>
             <a:pPr lvl="3"/>
             <a:r>
-              <a:rPr lang="en-US" noProof="0" smtClean="0"/>
+              <a:rPr lang="en-US" noProof="0"/>
               <a:t>Fourth level</a:t>
             </a:r>
           </a:p>
           <a:p>
             <a:pPr lvl="4"/>
             <a:r>
-              <a:rPr lang="en-US" noProof="0" smtClean="0"/>
+              <a:rPr lang="en-US" noProof="0"/>
               <a:t>Fifth level</a:t>
             </a:r>
-            <a:endParaRPr lang="en-US" noProof="0"/>
           </a:p>
         </p:txBody>
       </p:sp>
@@ -918,7 +916,7 @@
                 <a:spcPct val="0"/>
               </a:spcBef>
             </a:pPr>
-            <a:endParaRPr lang="en-US" dirty="0" smtClean="0"/>
+            <a:endParaRPr lang="en-US" dirty="0"/>
           </a:p>
         </p:txBody>
       </p:sp>
@@ -1091,10 +1089,9 @@
           <a:lstStyle/>
           <a:p>
             <a:r>
-              <a:rPr lang="en-US" dirty="0" smtClean="0"/>
+              <a:rPr lang="en-US" dirty="0"/>
               <a:t>http://www.plantuml.com/plantuml/uml/PP1D2i8m44RtEKMMAK9FuAAuK3UYw0ccoHIhQMV83oBgtPqMmK2tx-LB7cbYWf3ou5K_9WmTMDGx6F3Otj2cbrfbTf3GL6fboVlUeVbhJUcAeL8VfQo76FKU0yc6yy2cm0SQermkfWq8ijds0Si3Px9tiHruN-8B8xeJFJ1a5WtC_Zcp3L5CPdfDIm3Dao9h_QxhkKKlw2zbAQQ41Im3L8EZau_w0W00</a:t>
             </a:r>
-            <a:endParaRPr lang="en-US" dirty="0"/>
           </a:p>
         </p:txBody>
       </p:sp>
@@ -1180,7 +1177,7 @@
           <a:lstStyle/>
           <a:p>
             <a:r>
-              <a:rPr lang="en-US" dirty="0" smtClean="0"/>
+              <a:rPr lang="en-US" dirty="0"/>
               <a:t>This is bad because</a:t>
             </a:r>
           </a:p>
@@ -1189,7 +1186,7 @@
               <a:buAutoNum type="alphaLcParenR"/>
             </a:pPr>
             <a:r>
-              <a:rPr lang="en-US" dirty="0" smtClean="0"/>
+              <a:rPr lang="en-US" dirty="0"/>
               <a:t>All the code is in one place</a:t>
             </a:r>
           </a:p>
@@ -1198,19 +1195,19 @@
               <a:buAutoNum type="alphaLcParenR"/>
             </a:pPr>
             <a:r>
-              <a:rPr lang="en-US" dirty="0" smtClean="0"/>
+              <a:rPr lang="en-US" dirty="0"/>
               <a:t>This</a:t>
             </a:r>
             <a:r>
-              <a:rPr lang="en-US" baseline="0" dirty="0" smtClean="0"/>
+              <a:rPr lang="en-US" baseline="0" dirty="0"/>
               <a:t> code knows extremely specific details of other classes, in particular their exact type and what </a:t>
             </a:r>
             <a:r>
-              <a:rPr lang="en-US" baseline="0" dirty="0" err="1" smtClean="0"/>
+              <a:rPr lang="en-US" baseline="0" dirty="0" err="1"/>
               <a:t>shoud</a:t>
             </a:r>
             <a:r>
-              <a:rPr lang="en-US" baseline="0" dirty="0" smtClean="0"/>
+              <a:rPr lang="en-US" baseline="0" dirty="0"/>
               <a:t> be done in that case</a:t>
             </a:r>
             <a:endParaRPr lang="en-US" dirty="0"/>
@@ -1299,17 +1296,17 @@
           <a:lstStyle/>
           <a:p>
             <a:r>
-              <a:rPr lang="en-US" dirty="0" smtClean="0"/>
+              <a:rPr lang="en-US" dirty="0"/>
               <a:t>Convince yourself that you did not change anything</a:t>
             </a:r>
             <a:r>
-              <a:rPr lang="en-US" baseline="0" dirty="0" smtClean="0"/>
+              <a:rPr lang="en-US" baseline="0" dirty="0"/>
               <a:t> by adding a type method.</a:t>
             </a:r>
           </a:p>
           <a:p>
             <a:r>
-              <a:rPr lang="en-US" baseline="0" dirty="0" smtClean="0"/>
+              <a:rPr lang="en-US" baseline="0" dirty="0"/>
               <a:t>Yet, students do this all the time.</a:t>
             </a:r>
             <a:endParaRPr lang="en-US" dirty="0"/>
@@ -1398,10 +1395,9 @@
           <a:lstStyle/>
           <a:p>
             <a:r>
-              <a:rPr lang="en-US" dirty="0" smtClean="0"/>
+              <a:rPr lang="en-US" dirty="0"/>
               <a:t>http://www.plantuml.com/plantuml/uml/PL71Zi8W4Btp5Hmn9dx17fezg1Upnit6yqZ7b5tQ8J2DCQl_Bj2QqlJ2FDvxvCqCLM3mtBTMc8xHNq6Zt46BNvTVrFmlrhshWL6jn5gJjQP6DScIk44_IMV3pT727RqQYkJ6X07ENGVgGenJOys-4S-D9z9_AXtPai1S_tQ8zP5kw7kdfikF6w87l19F8RI54EGUFSMfNDywLT1ZTbGk7Y5EjJKUIqDAZkeLh2tfCZxAu9ozP-wJAB1AQJAkYFAJOd4VZyqczo8Nx7ib2o6ri23B1aI5NHs_yWK0</a:t>
             </a:r>
-            <a:endParaRPr lang="en-US" dirty="0"/>
           </a:p>
         </p:txBody>
       </p:sp>
@@ -1504,43 +1500,43 @@
               <a:defRPr/>
             </a:pPr>
             <a:r>
-              <a:rPr lang="en-US" dirty="0" smtClean="0"/>
+              <a:rPr lang="en-US" dirty="0"/>
               <a:t>Let’s say we’re in the </a:t>
             </a:r>
             <a:r>
-              <a:rPr lang="en-US" dirty="0" err="1" smtClean="0"/>
+              <a:rPr lang="en-US" dirty="0" err="1"/>
               <a:t>PowerUp</a:t>
             </a:r>
             <a:r>
-              <a:rPr lang="en-US" dirty="0" smtClean="0"/>
+              <a:rPr lang="en-US" dirty="0"/>
               <a:t> class, and </a:t>
             </a:r>
             <a:r>
-              <a:rPr lang="en-US" dirty="0" err="1" smtClean="0"/>
+              <a:rPr lang="en-US" dirty="0" err="1"/>
               <a:t>GameObject</a:t>
             </a:r>
             <a:r>
-              <a:rPr lang="en-US" dirty="0" smtClean="0"/>
+              <a:rPr lang="en-US" dirty="0"/>
               <a:t> is of type Player.</a:t>
             </a:r>
           </a:p>
           <a:p>
-            <a:endParaRPr lang="en-US" dirty="0" smtClean="0"/>
+            <a:endParaRPr lang="en-US" dirty="0"/>
           </a:p>
           <a:p>
             <a:pPr marL="0" indent="0">
               <a:buNone/>
             </a:pPr>
             <a:r>
-              <a:rPr lang="en-US" dirty="0" smtClean="0"/>
+              <a:rPr lang="en-US" dirty="0"/>
               <a:t>This will call the </a:t>
             </a:r>
             <a:r>
-              <a:rPr lang="en-US" dirty="0" err="1" smtClean="0"/>
+              <a:rPr lang="en-US" dirty="0" err="1"/>
               <a:t>collideWithPowerUp</a:t>
             </a:r>
             <a:r>
-              <a:rPr lang="en-US" dirty="0" smtClean="0"/>
+              <a:rPr lang="en-US" dirty="0"/>
               <a:t> method on the Player class. </a:t>
             </a:r>
           </a:p>
@@ -1548,45 +1544,45 @@
             <a:pPr marL="0" indent="0">
               <a:buNone/>
             </a:pPr>
-            <a:endParaRPr lang="en-US" dirty="0" smtClean="0"/>
+            <a:endParaRPr lang="en-US" dirty="0"/>
           </a:p>
           <a:p>
             <a:pPr marL="0" indent="0">
               <a:buNone/>
             </a:pPr>
             <a:r>
-              <a:rPr lang="en-US" dirty="0" smtClean="0"/>
+              <a:rPr lang="en-US" dirty="0"/>
               <a:t>The Player</a:t>
             </a:r>
             <a:r>
-              <a:rPr lang="en-US" baseline="0" dirty="0" smtClean="0"/>
+              <a:rPr lang="en-US" baseline="0" dirty="0"/>
               <a:t> can decide whether to respond to</a:t>
             </a:r>
             <a:r>
-              <a:rPr lang="en-US" dirty="0" smtClean="0"/>
+              <a:rPr lang="en-US" dirty="0"/>
               <a:t> </a:t>
             </a:r>
             <a:r>
-              <a:rPr lang="en-US" dirty="0" err="1" smtClean="0"/>
+              <a:rPr lang="en-US" dirty="0" err="1"/>
               <a:t>collideWithPowerUp</a:t>
             </a:r>
             <a:r>
-              <a:rPr lang="en-US" dirty="0" smtClean="0"/>
+              <a:rPr lang="en-US" dirty="0"/>
               <a:t> class, or ask it back to handle the collision</a:t>
             </a:r>
             <a:r>
-              <a:rPr lang="en-US" baseline="0" dirty="0" smtClean="0"/>
+              <a:rPr lang="en-US" baseline="0" dirty="0"/>
               <a:t> by calling </a:t>
             </a:r>
             <a:r>
-              <a:rPr lang="en-US" baseline="0" dirty="0" err="1" smtClean="0"/>
+              <a:rPr lang="en-US" baseline="0" dirty="0" err="1"/>
               <a:t>collideWithPlayer</a:t>
             </a:r>
             <a:r>
-              <a:rPr lang="en-US" baseline="0" dirty="0" smtClean="0"/>
+              <a:rPr lang="en-US" baseline="0" dirty="0"/>
               <a:t>.</a:t>
             </a:r>
-            <a:endParaRPr lang="en-US" dirty="0" smtClean="0"/>
+            <a:endParaRPr lang="en-US" dirty="0"/>
           </a:p>
           <a:p>
             <a:endParaRPr lang="en-US" dirty="0"/>
@@ -1687,7 +1683,7 @@
           <a:bodyPr/>
           <a:lstStyle/>
           <a:p>
-            <a:endParaRPr lang="en-US" dirty="0" smtClean="0"/>
+            <a:endParaRPr lang="en-US" dirty="0"/>
           </a:p>
         </p:txBody>
       </p:sp>
@@ -1768,10 +1764,9 @@
           <a:lstStyle/>
           <a:p>
             <a:r>
-              <a:rPr lang="en-US" smtClean="0"/>
+              <a:rPr lang="en-US"/>
               <a:t>Click to edit Master title style</a:t>
             </a:r>
-            <a:endParaRPr lang="en-US"/>
           </a:p>
         </p:txBody>
       </p:sp>
@@ -1887,10 +1882,9 @@
           </a:lstStyle>
           <a:p>
             <a:r>
-              <a:rPr lang="en-US" smtClean="0"/>
+              <a:rPr lang="en-US"/>
               <a:t>Click to edit Master subtitle style</a:t>
             </a:r>
-            <a:endParaRPr lang="en-US"/>
           </a:p>
         </p:txBody>
       </p:sp>
@@ -1912,7 +1906,7 @@
             <a:fld id="{43E6E5DC-7A70-4CAB-B8CA-FD7CFBA6DDCF}" type="datetime1">
               <a:rPr lang="en-US" smtClean="0"/>
               <a:pPr/>
-              <a:t>5/10/2020</a:t>
+              <a:t>2/1/2024</a:t>
             </a:fld>
             <a:endParaRPr lang="en-US"/>
           </a:p>
@@ -2010,10 +2004,9 @@
           <a:lstStyle/>
           <a:p>
             <a:r>
-              <a:rPr lang="en-US" smtClean="0"/>
+              <a:rPr lang="en-US"/>
               <a:t>Click to edit Master title style</a:t>
             </a:r>
-            <a:endParaRPr lang="en-US"/>
           </a:p>
         </p:txBody>
       </p:sp>
@@ -2034,38 +2027,37 @@
           <a:p>
             <a:pPr lvl="0"/>
             <a:r>
-              <a:rPr lang="en-US" smtClean="0"/>
+              <a:rPr lang="en-US"/>
               <a:t>Click to edit Master text styles</a:t>
             </a:r>
           </a:p>
           <a:p>
             <a:pPr lvl="1"/>
             <a:r>
-              <a:rPr lang="en-US" smtClean="0"/>
+              <a:rPr lang="en-US"/>
               <a:t>Second level</a:t>
             </a:r>
           </a:p>
           <a:p>
             <a:pPr lvl="2"/>
             <a:r>
-              <a:rPr lang="en-US" smtClean="0"/>
+              <a:rPr lang="en-US"/>
               <a:t>Third level</a:t>
             </a:r>
           </a:p>
           <a:p>
             <a:pPr lvl="3"/>
             <a:r>
-              <a:rPr lang="en-US" smtClean="0"/>
+              <a:rPr lang="en-US"/>
               <a:t>Fourth level</a:t>
             </a:r>
           </a:p>
           <a:p>
             <a:pPr lvl="4"/>
             <a:r>
-              <a:rPr lang="en-US" smtClean="0"/>
+              <a:rPr lang="en-US"/>
               <a:t>Fifth level</a:t>
             </a:r>
-            <a:endParaRPr lang="en-US"/>
           </a:p>
         </p:txBody>
       </p:sp>
@@ -2087,7 +2079,7 @@
             <a:fld id="{34C58A64-F6CF-4D4F-A14E-4E9A6689521C}" type="datetime1">
               <a:rPr lang="en-US" smtClean="0"/>
               <a:pPr/>
-              <a:t>5/10/2020</a:t>
+              <a:t>2/1/2024</a:t>
             </a:fld>
             <a:endParaRPr lang="en-US"/>
           </a:p>
@@ -2190,10 +2182,9 @@
           <a:lstStyle/>
           <a:p>
             <a:r>
-              <a:rPr lang="en-US" smtClean="0"/>
+              <a:rPr lang="en-US"/>
               <a:t>Click to edit Master title style</a:t>
             </a:r>
-            <a:endParaRPr lang="en-US"/>
           </a:p>
         </p:txBody>
       </p:sp>
@@ -2219,38 +2210,37 @@
           <a:p>
             <a:pPr lvl="0"/>
             <a:r>
-              <a:rPr lang="en-US" smtClean="0"/>
+              <a:rPr lang="en-US"/>
               <a:t>Click to edit Master text styles</a:t>
             </a:r>
           </a:p>
           <a:p>
             <a:pPr lvl="1"/>
             <a:r>
-              <a:rPr lang="en-US" smtClean="0"/>
+              <a:rPr lang="en-US"/>
               <a:t>Second level</a:t>
             </a:r>
           </a:p>
           <a:p>
             <a:pPr lvl="2"/>
             <a:r>
-              <a:rPr lang="en-US" smtClean="0"/>
+              <a:rPr lang="en-US"/>
               <a:t>Third level</a:t>
             </a:r>
           </a:p>
           <a:p>
             <a:pPr lvl="3"/>
             <a:r>
-              <a:rPr lang="en-US" smtClean="0"/>
+              <a:rPr lang="en-US"/>
               <a:t>Fourth level</a:t>
             </a:r>
           </a:p>
           <a:p>
             <a:pPr lvl="4"/>
             <a:r>
-              <a:rPr lang="en-US" smtClean="0"/>
+              <a:rPr lang="en-US"/>
               <a:t>Fifth level</a:t>
             </a:r>
-            <a:endParaRPr lang="en-US"/>
           </a:p>
         </p:txBody>
       </p:sp>
@@ -2272,7 +2262,7 @@
             <a:fld id="{28A961FD-7946-4EF3-8B09-2E96C5099CE1}" type="datetime1">
               <a:rPr lang="en-US" smtClean="0"/>
               <a:pPr/>
-              <a:t>5/10/2020</a:t>
+              <a:t>2/1/2024</a:t>
             </a:fld>
             <a:endParaRPr lang="en-US"/>
           </a:p>
@@ -2370,10 +2360,9 @@
           <a:lstStyle/>
           <a:p>
             <a:r>
-              <a:rPr lang="en-US" smtClean="0"/>
+              <a:rPr lang="en-US"/>
               <a:t>Click to edit Master title style</a:t>
             </a:r>
-            <a:endParaRPr lang="en-US"/>
           </a:p>
         </p:txBody>
       </p:sp>
@@ -2394,38 +2383,37 @@
           <a:p>
             <a:pPr lvl="0"/>
             <a:r>
-              <a:rPr lang="en-US" smtClean="0"/>
+              <a:rPr lang="en-US"/>
               <a:t>Click to edit Master text styles</a:t>
             </a:r>
           </a:p>
           <a:p>
             <a:pPr lvl="1"/>
             <a:r>
-              <a:rPr lang="en-US" smtClean="0"/>
+              <a:rPr lang="en-US"/>
               <a:t>Second level</a:t>
             </a:r>
           </a:p>
           <a:p>
             <a:pPr lvl="2"/>
             <a:r>
-              <a:rPr lang="en-US" smtClean="0"/>
+              <a:rPr lang="en-US"/>
               <a:t>Third level</a:t>
             </a:r>
           </a:p>
           <a:p>
             <a:pPr lvl="3"/>
             <a:r>
-              <a:rPr lang="en-US" smtClean="0"/>
+              <a:rPr lang="en-US"/>
               <a:t>Fourth level</a:t>
             </a:r>
           </a:p>
           <a:p>
             <a:pPr lvl="4"/>
             <a:r>
-              <a:rPr lang="en-US" smtClean="0"/>
+              <a:rPr lang="en-US"/>
               <a:t>Fifth level</a:t>
             </a:r>
-            <a:endParaRPr lang="en-US"/>
           </a:p>
         </p:txBody>
       </p:sp>
@@ -2447,7 +2435,7 @@
             <a:fld id="{410E03A8-3A50-4824-93B1-5AB2817A85E6}" type="datetime1">
               <a:rPr lang="en-US" smtClean="0"/>
               <a:pPr/>
-              <a:t>5/10/2020</a:t>
+              <a:t>2/1/2024</a:t>
             </a:fld>
             <a:endParaRPr lang="en-US"/>
           </a:p>
@@ -2554,10 +2542,9 @@
           </a:lstStyle>
           <a:p>
             <a:r>
-              <a:rPr lang="en-US" smtClean="0"/>
+              <a:rPr lang="en-US"/>
               <a:t>Click to edit Master title style</a:t>
             </a:r>
-            <a:endParaRPr lang="en-US"/>
           </a:p>
         </p:txBody>
       </p:sp>
@@ -2674,7 +2661,7 @@
           <a:p>
             <a:pPr lvl="0"/>
             <a:r>
-              <a:rPr lang="en-US" smtClean="0"/>
+              <a:rPr lang="en-US"/>
               <a:t>Click to edit Master text styles</a:t>
             </a:r>
           </a:p>
@@ -2698,7 +2685,7 @@
             <a:fld id="{69EE78C3-2E3E-4EDD-A8FC-A11FEA9CDF04}" type="datetime1">
               <a:rPr lang="en-US" smtClean="0"/>
               <a:pPr/>
-              <a:t>5/10/2020</a:t>
+              <a:t>2/1/2024</a:t>
             </a:fld>
             <a:endParaRPr lang="en-US"/>
           </a:p>
@@ -2796,10 +2783,9 @@
           <a:lstStyle/>
           <a:p>
             <a:r>
-              <a:rPr lang="en-US" smtClean="0"/>
+              <a:rPr lang="en-US"/>
               <a:t>Click to edit Master title style</a:t>
             </a:r>
-            <a:endParaRPr lang="en-US"/>
           </a:p>
         </p:txBody>
       </p:sp>
@@ -2853,38 +2839,37 @@
           <a:p>
             <a:pPr lvl="0"/>
             <a:r>
-              <a:rPr lang="en-US" smtClean="0"/>
+              <a:rPr lang="en-US"/>
               <a:t>Click to edit Master text styles</a:t>
             </a:r>
           </a:p>
           <a:p>
             <a:pPr lvl="1"/>
             <a:r>
-              <a:rPr lang="en-US" smtClean="0"/>
+              <a:rPr lang="en-US"/>
               <a:t>Second level</a:t>
             </a:r>
           </a:p>
           <a:p>
             <a:pPr lvl="2"/>
             <a:r>
-              <a:rPr lang="en-US" smtClean="0"/>
+              <a:rPr lang="en-US"/>
               <a:t>Third level</a:t>
             </a:r>
           </a:p>
           <a:p>
             <a:pPr lvl="3"/>
             <a:r>
-              <a:rPr lang="en-US" smtClean="0"/>
+              <a:rPr lang="en-US"/>
               <a:t>Fourth level</a:t>
             </a:r>
           </a:p>
           <a:p>
             <a:pPr lvl="4"/>
             <a:r>
-              <a:rPr lang="en-US" smtClean="0"/>
+              <a:rPr lang="en-US"/>
               <a:t>Fifth level</a:t>
             </a:r>
-            <a:endParaRPr lang="en-US"/>
           </a:p>
         </p:txBody>
       </p:sp>
@@ -2938,38 +2923,37 @@
           <a:p>
             <a:pPr lvl="0"/>
             <a:r>
-              <a:rPr lang="en-US" smtClean="0"/>
+              <a:rPr lang="en-US"/>
               <a:t>Click to edit Master text styles</a:t>
             </a:r>
           </a:p>
           <a:p>
             <a:pPr lvl="1"/>
             <a:r>
-              <a:rPr lang="en-US" smtClean="0"/>
+              <a:rPr lang="en-US"/>
               <a:t>Second level</a:t>
             </a:r>
           </a:p>
           <a:p>
             <a:pPr lvl="2"/>
             <a:r>
-              <a:rPr lang="en-US" smtClean="0"/>
+              <a:rPr lang="en-US"/>
               <a:t>Third level</a:t>
             </a:r>
           </a:p>
           <a:p>
             <a:pPr lvl="3"/>
             <a:r>
-              <a:rPr lang="en-US" smtClean="0"/>
+              <a:rPr lang="en-US"/>
               <a:t>Fourth level</a:t>
             </a:r>
           </a:p>
           <a:p>
             <a:pPr lvl="4"/>
             <a:r>
-              <a:rPr lang="en-US" smtClean="0"/>
+              <a:rPr lang="en-US"/>
               <a:t>Fifth level</a:t>
             </a:r>
-            <a:endParaRPr lang="en-US"/>
           </a:p>
         </p:txBody>
       </p:sp>
@@ -2991,7 +2975,7 @@
             <a:fld id="{9CAD6738-AE48-490E-BA60-16B31C3E5798}" type="datetime1">
               <a:rPr lang="en-US" smtClean="0"/>
               <a:pPr/>
-              <a:t>5/10/2020</a:t>
+              <a:t>2/1/2024</a:t>
             </a:fld>
             <a:endParaRPr lang="en-US"/>
           </a:p>
@@ -3093,10 +3077,9 @@
           </a:lstStyle>
           <a:p>
             <a:r>
-              <a:rPr lang="en-US" smtClean="0"/>
+              <a:rPr lang="en-US"/>
               <a:t>Click to edit Master title style</a:t>
             </a:r>
-            <a:endParaRPr lang="en-US"/>
           </a:p>
         </p:txBody>
       </p:sp>
@@ -3159,7 +3142,7 @@
           <a:p>
             <a:pPr lvl="0"/>
             <a:r>
-              <a:rPr lang="en-US" smtClean="0"/>
+              <a:rPr lang="en-US"/>
               <a:t>Click to edit Master text styles</a:t>
             </a:r>
           </a:p>
@@ -3215,38 +3198,37 @@
           <a:p>
             <a:pPr lvl="0"/>
             <a:r>
-              <a:rPr lang="en-US" smtClean="0"/>
+              <a:rPr lang="en-US"/>
               <a:t>Click to edit Master text styles</a:t>
             </a:r>
           </a:p>
           <a:p>
             <a:pPr lvl="1"/>
             <a:r>
-              <a:rPr lang="en-US" smtClean="0"/>
+              <a:rPr lang="en-US"/>
               <a:t>Second level</a:t>
             </a:r>
           </a:p>
           <a:p>
             <a:pPr lvl="2"/>
             <a:r>
-              <a:rPr lang="en-US" smtClean="0"/>
+              <a:rPr lang="en-US"/>
               <a:t>Third level</a:t>
             </a:r>
           </a:p>
           <a:p>
             <a:pPr lvl="3"/>
             <a:r>
-              <a:rPr lang="en-US" smtClean="0"/>
+              <a:rPr lang="en-US"/>
               <a:t>Fourth level</a:t>
             </a:r>
           </a:p>
           <a:p>
             <a:pPr lvl="4"/>
             <a:r>
-              <a:rPr lang="en-US" smtClean="0"/>
+              <a:rPr lang="en-US"/>
               <a:t>Fifth level</a:t>
             </a:r>
-            <a:endParaRPr lang="en-US"/>
           </a:p>
         </p:txBody>
       </p:sp>
@@ -3309,7 +3291,7 @@
           <a:p>
             <a:pPr lvl="0"/>
             <a:r>
-              <a:rPr lang="en-US" smtClean="0"/>
+              <a:rPr lang="en-US"/>
               <a:t>Click to edit Master text styles</a:t>
             </a:r>
           </a:p>
@@ -3365,38 +3347,37 @@
           <a:p>
             <a:pPr lvl="0"/>
             <a:r>
-              <a:rPr lang="en-US" smtClean="0"/>
+              <a:rPr lang="en-US"/>
               <a:t>Click to edit Master text styles</a:t>
             </a:r>
           </a:p>
           <a:p>
             <a:pPr lvl="1"/>
             <a:r>
-              <a:rPr lang="en-US" smtClean="0"/>
+              <a:rPr lang="en-US"/>
               <a:t>Second level</a:t>
             </a:r>
           </a:p>
           <a:p>
             <a:pPr lvl="2"/>
             <a:r>
-              <a:rPr lang="en-US" smtClean="0"/>
+              <a:rPr lang="en-US"/>
               <a:t>Third level</a:t>
             </a:r>
           </a:p>
           <a:p>
             <a:pPr lvl="3"/>
             <a:r>
-              <a:rPr lang="en-US" smtClean="0"/>
+              <a:rPr lang="en-US"/>
               <a:t>Fourth level</a:t>
             </a:r>
           </a:p>
           <a:p>
             <a:pPr lvl="4"/>
             <a:r>
-              <a:rPr lang="en-US" smtClean="0"/>
+              <a:rPr lang="en-US"/>
               <a:t>Fifth level</a:t>
             </a:r>
-            <a:endParaRPr lang="en-US"/>
           </a:p>
         </p:txBody>
       </p:sp>
@@ -3418,7 +3399,7 @@
             <a:fld id="{12137309-80BC-4890-B91A-AB9885E172E5}" type="datetime1">
               <a:rPr lang="en-US" smtClean="0"/>
               <a:pPr/>
-              <a:t>5/10/2020</a:t>
+              <a:t>2/1/2024</a:t>
             </a:fld>
             <a:endParaRPr lang="en-US"/>
           </a:p>
@@ -3516,10 +3497,9 @@
           <a:lstStyle/>
           <a:p>
             <a:r>
-              <a:rPr lang="en-US" smtClean="0"/>
+              <a:rPr lang="en-US"/>
               <a:t>Click to edit Master title style</a:t>
             </a:r>
-            <a:endParaRPr lang="en-US"/>
           </a:p>
         </p:txBody>
       </p:sp>
@@ -3541,7 +3521,7 @@
             <a:fld id="{79C16A63-0F78-4E9D-81E4-A84E1F25A0A3}" type="datetime1">
               <a:rPr lang="en-US" smtClean="0"/>
               <a:pPr/>
-              <a:t>5/10/2020</a:t>
+              <a:t>2/1/2024</a:t>
             </a:fld>
             <a:endParaRPr lang="en-US"/>
           </a:p>
@@ -3641,7 +3621,7 @@
             <a:fld id="{DC5FF9E9-979C-4422-A1BB-1DC64426F0DA}" type="datetime1">
               <a:rPr lang="en-US" smtClean="0"/>
               <a:pPr/>
-              <a:t>5/10/2020</a:t>
+              <a:t>2/1/2024</a:t>
             </a:fld>
             <a:endParaRPr lang="en-US"/>
           </a:p>
@@ -3748,10 +3728,9 @@
           </a:lstStyle>
           <a:p>
             <a:r>
-              <a:rPr lang="en-US" smtClean="0"/>
+              <a:rPr lang="en-US"/>
               <a:t>Click to edit Master title style</a:t>
             </a:r>
-            <a:endParaRPr lang="en-US"/>
           </a:p>
         </p:txBody>
       </p:sp>
@@ -3805,38 +3784,37 @@
           <a:p>
             <a:pPr lvl="0"/>
             <a:r>
-              <a:rPr lang="en-US" smtClean="0"/>
+              <a:rPr lang="en-US"/>
               <a:t>Click to edit Master text styles</a:t>
             </a:r>
           </a:p>
           <a:p>
             <a:pPr lvl="1"/>
             <a:r>
-              <a:rPr lang="en-US" smtClean="0"/>
+              <a:rPr lang="en-US"/>
               <a:t>Second level</a:t>
             </a:r>
           </a:p>
           <a:p>
             <a:pPr lvl="2"/>
             <a:r>
-              <a:rPr lang="en-US" smtClean="0"/>
+              <a:rPr lang="en-US"/>
               <a:t>Third level</a:t>
             </a:r>
           </a:p>
           <a:p>
             <a:pPr lvl="3"/>
             <a:r>
-              <a:rPr lang="en-US" smtClean="0"/>
+              <a:rPr lang="en-US"/>
               <a:t>Fourth level</a:t>
             </a:r>
           </a:p>
           <a:p>
             <a:pPr lvl="4"/>
             <a:r>
-              <a:rPr lang="en-US" smtClean="0"/>
+              <a:rPr lang="en-US"/>
               <a:t>Fifth level</a:t>
             </a:r>
-            <a:endParaRPr lang="en-US"/>
           </a:p>
         </p:txBody>
       </p:sp>
@@ -3899,7 +3877,7 @@
           <a:p>
             <a:pPr lvl="0"/>
             <a:r>
-              <a:rPr lang="en-US" smtClean="0"/>
+              <a:rPr lang="en-US"/>
               <a:t>Click to edit Master text styles</a:t>
             </a:r>
           </a:p>
@@ -3923,7 +3901,7 @@
             <a:fld id="{B9B7020D-910B-4676-A902-AD52382F28B6}" type="datetime1">
               <a:rPr lang="en-US" smtClean="0"/>
               <a:pPr/>
-              <a:t>5/10/2020</a:t>
+              <a:t>2/1/2024</a:t>
             </a:fld>
             <a:endParaRPr lang="en-US"/>
           </a:p>
@@ -4030,10 +4008,9 @@
           </a:lstStyle>
           <a:p>
             <a:r>
-              <a:rPr lang="en-US" smtClean="0"/>
+              <a:rPr lang="en-US"/>
               <a:t>Click to edit Master title style</a:t>
             </a:r>
-            <a:endParaRPr lang="en-US"/>
           </a:p>
         </p:txBody>
       </p:sp>
@@ -4157,7 +4134,7 @@
           <a:p>
             <a:pPr lvl="0"/>
             <a:r>
-              <a:rPr lang="en-US" smtClean="0"/>
+              <a:rPr lang="en-US"/>
               <a:t>Click to edit Master text styles</a:t>
             </a:r>
           </a:p>
@@ -4181,7 +4158,7 @@
             <a:fld id="{4695FF79-924D-47D6-A727-6A03000C0C91}" type="datetime1">
               <a:rPr lang="en-US" smtClean="0"/>
               <a:pPr/>
-              <a:t>5/10/2020</a:t>
+              <a:t>2/1/2024</a:t>
             </a:fld>
             <a:endParaRPr lang="en-US"/>
           </a:p>
@@ -4294,10 +4271,9 @@
           <a:lstStyle/>
           <a:p>
             <a:r>
-              <a:rPr lang="en-US" smtClean="0"/>
+              <a:rPr lang="en-US"/>
               <a:t>Click to edit Master title style</a:t>
             </a:r>
-            <a:endParaRPr lang="en-US"/>
           </a:p>
         </p:txBody>
       </p:sp>
@@ -4328,38 +4304,37 @@
           <a:p>
             <a:pPr lvl="0"/>
             <a:r>
-              <a:rPr lang="en-US" smtClean="0"/>
+              <a:rPr lang="en-US"/>
               <a:t>Click to edit Master text styles</a:t>
             </a:r>
           </a:p>
           <a:p>
             <a:pPr lvl="1"/>
             <a:r>
-              <a:rPr lang="en-US" smtClean="0"/>
+              <a:rPr lang="en-US"/>
               <a:t>Second level</a:t>
             </a:r>
           </a:p>
           <a:p>
             <a:pPr lvl="2"/>
             <a:r>
-              <a:rPr lang="en-US" smtClean="0"/>
+              <a:rPr lang="en-US"/>
               <a:t>Third level</a:t>
             </a:r>
           </a:p>
           <a:p>
             <a:pPr lvl="3"/>
             <a:r>
-              <a:rPr lang="en-US" smtClean="0"/>
+              <a:rPr lang="en-US"/>
               <a:t>Fourth level</a:t>
             </a:r>
           </a:p>
           <a:p>
             <a:pPr lvl="4"/>
             <a:r>
-              <a:rPr lang="en-US" smtClean="0"/>
+              <a:rPr lang="en-US"/>
               <a:t>Fifth level</a:t>
             </a:r>
-            <a:endParaRPr lang="en-US"/>
           </a:p>
         </p:txBody>
       </p:sp>
@@ -4399,7 +4374,7 @@
             <a:fld id="{A51E304D-C692-4D58-A925-D35D66927263}" type="datetime1">
               <a:rPr lang="en-US" smtClean="0"/>
               <a:pPr/>
-              <a:t>5/10/2020</a:t>
+              <a:t>2/1/2024</a:t>
             </a:fld>
             <a:endParaRPr lang="en-US"/>
           </a:p>
@@ -4800,16 +4775,12 @@
               <a:defRPr/>
             </a:pPr>
             <a:r>
-              <a:rPr lang="en-US" dirty="0" smtClean="0">
+              <a:rPr lang="en-US" dirty="0">
                 <a:ea typeface="+mj-ea"/>
                 <a:cs typeface="+mj-cs"/>
               </a:rPr>
               <a:t>CSSE 220</a:t>
             </a:r>
-            <a:endParaRPr lang="en-US" dirty="0">
-              <a:ea typeface="+mj-ea"/>
-              <a:cs typeface="+mj-cs"/>
-            </a:endParaRPr>
           </a:p>
         </p:txBody>
       </p:sp>
@@ -4834,18 +4805,18 @@
               </a:lnSpc>
             </a:pPr>
             <a:r>
-              <a:rPr lang="en-US" sz="2500" dirty="0" smtClean="0"/>
+              <a:rPr lang="en-US" sz="2500" dirty="0"/>
               <a:t>Collision Handling without </a:t>
             </a:r>
             <a:r>
-              <a:rPr lang="en-US" sz="2500" b="1" dirty="0" err="1" smtClean="0">
+              <a:rPr lang="en-US" sz="2500" b="1" dirty="0" err="1">
                 <a:solidFill>
                   <a:srgbClr val="FF0000"/>
                 </a:solidFill>
               </a:rPr>
               <a:t>instanceof</a:t>
             </a:r>
-            <a:endParaRPr lang="en-US" sz="2500" b="1" dirty="0" smtClean="0">
+            <a:endParaRPr lang="en-US" sz="2500" b="1" dirty="0">
               <a:solidFill>
                 <a:srgbClr val="FF0000"/>
               </a:solidFill>
@@ -4857,14 +4828,10 @@
                 <a:spcPct val="90000"/>
               </a:lnSpc>
             </a:pPr>
-            <a:r>
-              <a:rPr lang="en-US" sz="2500" dirty="0" smtClean="0"/>
-              <a:t/>
-            </a:r>
             <a:br>
-              <a:rPr lang="en-US" sz="2500" dirty="0" smtClean="0"/>
+              <a:rPr lang="en-US" sz="2500" dirty="0"/>
             </a:br>
-            <a:endParaRPr lang="en-US" sz="2500" dirty="0" smtClean="0"/>
+            <a:endParaRPr lang="en-US" sz="2500" dirty="0"/>
           </a:p>
         </p:txBody>
       </p:sp>
@@ -4913,26 +4880,17 @@
               <a:t>Checkout </a:t>
             </a:r>
             <a:r>
-              <a:rPr lang="en-US" i="1" dirty="0" err="1" smtClean="0"/>
-              <a:t>MultipleDispatchAdvancedSolution</a:t>
-            </a:r>
-            <a:r>
-              <a:rPr lang="en-US" i="1" dirty="0" smtClean="0"/>
+              <a:rPr lang="en-US" i="1" dirty="0" err="1"/>
+              <a:t>PracticeSolutionMultipleDispatchAdvanced</a:t>
+            </a:r>
+            <a:r>
+              <a:rPr lang="en-US" i="1" dirty="0"/>
               <a:t> </a:t>
             </a:r>
             <a:r>
-              <a:rPr lang="en-US" dirty="0" smtClean="0"/>
-              <a:t>project </a:t>
-            </a:r>
-            <a:r>
               <a:rPr lang="en-US" dirty="0"/>
-              <a:t>from </a:t>
-            </a:r>
-            <a:r>
-              <a:rPr lang="en-US" dirty="0" smtClean="0"/>
-              <a:t>repo</a:t>
-            </a:r>
-            <a:endParaRPr lang="en-US" dirty="0"/>
+              <a:t>project from repo</a:t>
+            </a:r>
           </a:p>
         </p:txBody>
       </p:sp>
@@ -4941,13 +4899,6 @@
   <p:clrMapOvr>
     <a:masterClrMapping/>
   </p:clrMapOvr>
-  <p:timing>
-    <p:tnLst>
-      <p:par>
-        <p:cTn id="1" dur="indefinite" restart="never" nodeType="tmRoot"/>
-      </p:par>
-    </p:tnLst>
-  </p:timing>
 </p:sld>
 </file>
 
@@ -4984,10 +4935,9 @@
           <a:lstStyle/>
           <a:p>
             <a:r>
-              <a:rPr lang="en-US" dirty="0" smtClean="0"/>
+              <a:rPr lang="en-US" dirty="0"/>
               <a:t>What made this work</a:t>
             </a:r>
-            <a:endParaRPr lang="en-US" dirty="0"/>
           </a:p>
         </p:txBody>
       </p:sp>
@@ -5009,7 +4959,7 @@
           <a:lstStyle/>
           <a:p>
             <a:r>
-              <a:rPr lang="en-US" dirty="0" smtClean="0"/>
+              <a:rPr lang="en-US" dirty="0"/>
               <a:t>We knew one of the objects was the Player.</a:t>
             </a:r>
           </a:p>
@@ -5018,37 +4968,37 @@
           </a:p>
           <a:p>
             <a:r>
-              <a:rPr lang="en-US" dirty="0" smtClean="0"/>
+              <a:rPr lang="en-US" dirty="0"/>
               <a:t>In general:</a:t>
             </a:r>
           </a:p>
           <a:p>
             <a:pPr lvl="1"/>
             <a:r>
-              <a:rPr lang="en-US" dirty="0" smtClean="0"/>
+              <a:rPr lang="en-US" dirty="0"/>
               <a:t>Objects know </a:t>
             </a:r>
             <a:r>
-              <a:rPr lang="en-US" b="1" dirty="0" smtClean="0"/>
+              <a:rPr lang="en-US" b="1" dirty="0"/>
               <a:t>their own type</a:t>
             </a:r>
             <a:r>
-              <a:rPr lang="en-US" dirty="0" smtClean="0"/>
+              <a:rPr lang="en-US" dirty="0"/>
               <a:t>.</a:t>
             </a:r>
           </a:p>
           <a:p>
             <a:pPr lvl="1"/>
             <a:r>
-              <a:rPr lang="en-US" dirty="0" smtClean="0"/>
+              <a:rPr lang="en-US" dirty="0"/>
               <a:t>They also know the </a:t>
             </a:r>
             <a:r>
-              <a:rPr lang="en-US" b="1" dirty="0" smtClean="0"/>
+              <a:rPr lang="en-US" b="1" dirty="0"/>
               <a:t>other object’s interface</a:t>
             </a:r>
             <a:r>
-              <a:rPr lang="en-US" dirty="0" smtClean="0"/>
+              <a:rPr lang="en-US" dirty="0"/>
               <a:t>.</a:t>
             </a:r>
           </a:p>
@@ -5056,7 +5006,7 @@
             <a:pPr marL="0" indent="0">
               <a:buNone/>
             </a:pPr>
-            <a:endParaRPr lang="en-US" dirty="0" smtClean="0"/>
+            <a:endParaRPr lang="en-US" dirty="0"/>
           </a:p>
         </p:txBody>
       </p:sp>
@@ -5224,14 +5174,9 @@
           <a:lstStyle/>
           <a:p>
             <a:r>
-              <a:rPr lang="en-US" dirty="0" smtClean="0"/>
-              <a:t>Multiple </a:t>
-            </a:r>
-            <a:r>
-              <a:rPr lang="en-US" dirty="0" smtClean="0"/>
-              <a:t>Dispatch</a:t>
-            </a:r>
-            <a:endParaRPr lang="en-US" dirty="0"/>
+              <a:rPr lang="en-US" dirty="0"/>
+              <a:t>Multiple Dispatch</a:t>
+            </a:r>
           </a:p>
         </p:txBody>
       </p:sp>
@@ -5293,58 +5238,13 @@
               <a:t> </a:t>
             </a:r>
             <a:r>
-              <a:rPr lang="en-US" b="1" dirty="0" err="1" smtClean="0">
+              <a:rPr lang="en-US" b="1" dirty="0" err="1">
                 <a:solidFill>
                   <a:srgbClr val="000000"/>
                 </a:solidFill>
                 <a:latin typeface="Consolas" panose="020B0609020204030204" pitchFamily="49" charset="0"/>
               </a:rPr>
               <a:t>SpeedPowerUp</a:t>
-            </a:r>
-            <a:r>
-              <a:rPr lang="en-US" b="1" dirty="0" smtClean="0">
-                <a:solidFill>
-                  <a:srgbClr val="000000"/>
-                </a:solidFill>
-                <a:latin typeface="Consolas" panose="020B0609020204030204" pitchFamily="49" charset="0"/>
-              </a:rPr>
-              <a:t> </a:t>
-            </a:r>
-            <a:r>
-              <a:rPr lang="en-US" b="1" dirty="0" smtClean="0">
-                <a:solidFill>
-                  <a:srgbClr val="7F0055"/>
-                </a:solidFill>
-                <a:latin typeface="Consolas" panose="020B0609020204030204" pitchFamily="49" charset="0"/>
-              </a:rPr>
-              <a:t>extends</a:t>
-            </a:r>
-            <a:r>
-              <a:rPr lang="en-US" b="1" dirty="0" smtClean="0">
-                <a:solidFill>
-                  <a:srgbClr val="000000"/>
-                </a:solidFill>
-                <a:latin typeface="Consolas" panose="020B0609020204030204" pitchFamily="49" charset="0"/>
-              </a:rPr>
-              <a:t> </a:t>
-            </a:r>
-            <a:r>
-              <a:rPr lang="en-US" b="1" dirty="0" err="1" smtClean="0">
-                <a:solidFill>
-                  <a:srgbClr val="000000"/>
-                </a:solidFill>
-                <a:latin typeface="Consolas" panose="020B0609020204030204" pitchFamily="49" charset="0"/>
-              </a:rPr>
-              <a:t>GameObject</a:t>
-            </a:r>
-            <a:r>
-              <a:rPr lang="en-US" b="1" dirty="0" smtClean="0">
-                <a:solidFill>
-                  <a:srgbClr val="000000"/>
-                </a:solidFill>
-                <a:latin typeface="Consolas" panose="020B0609020204030204" pitchFamily="49" charset="0"/>
-              </a:rPr>
-              <a:t> </a:t>
             </a:r>
             <a:r>
               <a:rPr lang="en-US" b="1" dirty="0">
@@ -5353,26 +5253,6 @@
                 </a:solidFill>
                 <a:latin typeface="Consolas" panose="020B0609020204030204" pitchFamily="49" charset="0"/>
               </a:rPr>
-              <a:t>{</a:t>
-            </a:r>
-          </a:p>
-          <a:p>
-            <a:r>
-              <a:rPr lang="en-US" b="1" dirty="0" smtClean="0">
-                <a:solidFill>
-                  <a:srgbClr val="7F0055"/>
-                </a:solidFill>
-                <a:latin typeface="Consolas" panose="020B0609020204030204" pitchFamily="49" charset="0"/>
-              </a:rPr>
-              <a:t>	public</a:t>
-            </a:r>
-            <a:r>
-              <a:rPr lang="en-US" b="1" dirty="0" smtClean="0">
-                <a:solidFill>
-                  <a:srgbClr val="000000"/>
-                </a:solidFill>
-                <a:latin typeface="Consolas" panose="020B0609020204030204" pitchFamily="49" charset="0"/>
-              </a:rPr>
               <a:t> </a:t>
             </a:r>
             <a:r>
@@ -5382,7 +5262,7 @@
                 </a:solidFill>
                 <a:latin typeface="Consolas" panose="020B0609020204030204" pitchFamily="49" charset="0"/>
               </a:rPr>
-              <a:t>void</a:t>
+              <a:t>extends</a:t>
             </a:r>
             <a:r>
               <a:rPr lang="en-US" b="1" dirty="0">
@@ -5394,31 +5274,13 @@
               <a:t> </a:t>
             </a:r>
             <a:r>
-              <a:rPr lang="en-US" b="1" dirty="0" smtClean="0">
+              <a:rPr lang="en-US" b="1" dirty="0" err="1">
                 <a:solidFill>
                   <a:srgbClr val="000000"/>
                 </a:solidFill>
                 <a:latin typeface="Consolas" panose="020B0609020204030204" pitchFamily="49" charset="0"/>
               </a:rPr>
-              <a:t>collide(</a:t>
-            </a:r>
-            <a:r>
-              <a:rPr lang="en-US" b="1" dirty="0" err="1" smtClean="0">
-                <a:solidFill>
-                  <a:srgbClr val="000000"/>
-                </a:solidFill>
-                <a:latin typeface="Consolas" panose="020B0609020204030204" pitchFamily="49" charset="0"/>
-              </a:rPr>
               <a:t>GameObject</a:t>
-            </a:r>
-            <a:r>
-              <a:rPr lang="en-US" b="1" dirty="0" smtClean="0">
-                <a:solidFill>
-                  <a:srgbClr val="000000"/>
-                </a:solidFill>
-                <a:latin typeface="Consolas" panose="020B0609020204030204" pitchFamily="49" charset="0"/>
-              </a:rPr>
-              <a:t> other) </a:t>
             </a:r>
             <a:r>
               <a:rPr lang="en-US" b="1" dirty="0">
@@ -5427,54 +5289,18 @@
                 </a:solidFill>
                 <a:latin typeface="Consolas" panose="020B0609020204030204" pitchFamily="49" charset="0"/>
               </a:rPr>
-              <a:t>{</a:t>
-            </a:r>
-          </a:p>
-          <a:p>
-            <a:r>
-              <a:rPr lang="en-US" dirty="0" smtClean="0">
-                <a:solidFill>
-                  <a:srgbClr val="6A3E3E"/>
-                </a:solidFill>
-                <a:latin typeface="Consolas" panose="020B0609020204030204" pitchFamily="49" charset="0"/>
-              </a:rPr>
-              <a:t>		</a:t>
-            </a:r>
-            <a:r>
-              <a:rPr lang="en-US" dirty="0" err="1" smtClean="0">
-                <a:solidFill>
-                  <a:srgbClr val="6A3E3E"/>
-                </a:solidFill>
-                <a:latin typeface="Consolas" panose="020B0609020204030204" pitchFamily="49" charset="0"/>
-              </a:rPr>
-              <a:t>other</a:t>
-            </a:r>
-            <a:r>
-              <a:rPr lang="en-US" dirty="0" err="1" smtClean="0">
-                <a:solidFill>
-                  <a:srgbClr val="000000"/>
-                </a:solidFill>
-                <a:latin typeface="Consolas" panose="020B0609020204030204" pitchFamily="49" charset="0"/>
-              </a:rPr>
-              <a:t>.collideWithSpeedPowerUp</a:t>
-            </a:r>
-            <a:r>
-              <a:rPr lang="en-US" dirty="0" smtClean="0">
-                <a:solidFill>
-                  <a:srgbClr val="000000"/>
-                </a:solidFill>
-                <a:latin typeface="Consolas" panose="020B0609020204030204" pitchFamily="49" charset="0"/>
-              </a:rPr>
-              <a:t>(</a:t>
-            </a:r>
-            <a:r>
-              <a:rPr lang="en-US" b="1" dirty="0" smtClean="0">
+              <a:t> {</a:t>
+            </a:r>
+          </a:p>
+          <a:p>
+            <a:r>
+              <a:rPr lang="en-US" b="1" dirty="0">
                 <a:solidFill>
                   <a:srgbClr val="7F0055"/>
                 </a:solidFill>
                 <a:latin typeface="Consolas" panose="020B0609020204030204" pitchFamily="49" charset="0"/>
               </a:rPr>
-              <a:t>this</a:t>
+              <a:t>	public</a:t>
             </a:r>
             <a:r>
               <a:rPr lang="en-US" b="1" dirty="0">
@@ -5483,19 +5309,270 @@
                 </a:solidFill>
                 <a:latin typeface="Consolas" panose="020B0609020204030204" pitchFamily="49" charset="0"/>
               </a:rPr>
-              <a:t>);</a:t>
-            </a:r>
-          </a:p>
-          <a:p>
-            <a:r>
-              <a:rPr lang="en-US" dirty="0" smtClean="0">
+              <a:t> </a:t>
+            </a:r>
+            <a:r>
+              <a:rPr lang="en-US" b="1" dirty="0">
+                <a:solidFill>
+                  <a:srgbClr val="7F0055"/>
+                </a:solidFill>
+                <a:latin typeface="Consolas" panose="020B0609020204030204" pitchFamily="49" charset="0"/>
+              </a:rPr>
+              <a:t>void</a:t>
+            </a:r>
+            <a:r>
+              <a:rPr lang="en-US" b="1" dirty="0">
                 <a:solidFill>
                   <a:srgbClr val="000000"/>
                 </a:solidFill>
                 <a:latin typeface="Consolas" panose="020B0609020204030204" pitchFamily="49" charset="0"/>
               </a:rPr>
+              <a:t> collide(</a:t>
+            </a:r>
+            <a:r>
+              <a:rPr lang="en-US" b="1" dirty="0" err="1">
+                <a:solidFill>
+                  <a:srgbClr val="000000"/>
+                </a:solidFill>
+                <a:latin typeface="Consolas" panose="020B0609020204030204" pitchFamily="49" charset="0"/>
+              </a:rPr>
+              <a:t>GameObject</a:t>
+            </a:r>
+            <a:r>
+              <a:rPr lang="en-US" b="1" dirty="0">
+                <a:solidFill>
+                  <a:srgbClr val="000000"/>
+                </a:solidFill>
+                <a:latin typeface="Consolas" panose="020B0609020204030204" pitchFamily="49" charset="0"/>
+              </a:rPr>
+              <a:t> other) {</a:t>
+            </a:r>
+          </a:p>
+          <a:p>
+            <a:r>
+              <a:rPr lang="en-US" dirty="0">
+                <a:solidFill>
+                  <a:srgbClr val="6A3E3E"/>
+                </a:solidFill>
+                <a:latin typeface="Consolas" panose="020B0609020204030204" pitchFamily="49" charset="0"/>
+              </a:rPr>
+              <a:t>		</a:t>
+            </a:r>
+            <a:r>
+              <a:rPr lang="en-US" dirty="0" err="1">
+                <a:solidFill>
+                  <a:srgbClr val="6A3E3E"/>
+                </a:solidFill>
+                <a:latin typeface="Consolas" panose="020B0609020204030204" pitchFamily="49" charset="0"/>
+              </a:rPr>
+              <a:t>other</a:t>
+            </a:r>
+            <a:r>
+              <a:rPr lang="en-US" dirty="0" err="1">
+                <a:solidFill>
+                  <a:srgbClr val="000000"/>
+                </a:solidFill>
+                <a:latin typeface="Consolas" panose="020B0609020204030204" pitchFamily="49" charset="0"/>
+              </a:rPr>
+              <a:t>.collideWithSpeedPowerUp</a:t>
+            </a:r>
+            <a:r>
+              <a:rPr lang="en-US" dirty="0">
+                <a:solidFill>
+                  <a:srgbClr val="000000"/>
+                </a:solidFill>
+                <a:latin typeface="Consolas" panose="020B0609020204030204" pitchFamily="49" charset="0"/>
+              </a:rPr>
+              <a:t>(</a:t>
+            </a:r>
+            <a:r>
+              <a:rPr lang="en-US" b="1" dirty="0">
+                <a:solidFill>
+                  <a:srgbClr val="7F0055"/>
+                </a:solidFill>
+                <a:latin typeface="Consolas" panose="020B0609020204030204" pitchFamily="49" charset="0"/>
+              </a:rPr>
+              <a:t>this</a:t>
+            </a:r>
+            <a:r>
+              <a:rPr lang="en-US" b="1" dirty="0">
+                <a:solidFill>
+                  <a:srgbClr val="000000"/>
+                </a:solidFill>
+                <a:latin typeface="Consolas" panose="020B0609020204030204" pitchFamily="49" charset="0"/>
+              </a:rPr>
+              <a:t>);</a:t>
+            </a:r>
+          </a:p>
+          <a:p>
+            <a:r>
+              <a:rPr lang="en-US" dirty="0">
+                <a:solidFill>
+                  <a:srgbClr val="000000"/>
+                </a:solidFill>
+                <a:latin typeface="Consolas" panose="020B0609020204030204" pitchFamily="49" charset="0"/>
+              </a:rPr>
               <a:t>	}</a:t>
             </a:r>
+          </a:p>
+          <a:p>
+            <a:endParaRPr lang="en-US" dirty="0">
+              <a:solidFill>
+                <a:srgbClr val="646464"/>
+              </a:solidFill>
+              <a:latin typeface="Consolas" panose="020B0609020204030204" pitchFamily="49" charset="0"/>
+            </a:endParaRPr>
+          </a:p>
+          <a:p>
+            <a:r>
+              <a:rPr lang="en-US" b="1" dirty="0">
+                <a:solidFill>
+                  <a:srgbClr val="7F0055"/>
+                </a:solidFill>
+                <a:latin typeface="Consolas" panose="020B0609020204030204" pitchFamily="49" charset="0"/>
+              </a:rPr>
+              <a:t>	public</a:t>
+            </a:r>
+            <a:r>
+              <a:rPr lang="en-US" b="1" dirty="0">
+                <a:solidFill>
+                  <a:srgbClr val="000000"/>
+                </a:solidFill>
+                <a:latin typeface="Consolas" panose="020B0609020204030204" pitchFamily="49" charset="0"/>
+              </a:rPr>
+              <a:t> </a:t>
+            </a:r>
+            <a:r>
+              <a:rPr lang="en-US" b="1" dirty="0">
+                <a:solidFill>
+                  <a:srgbClr val="7F0055"/>
+                </a:solidFill>
+                <a:latin typeface="Consolas" panose="020B0609020204030204" pitchFamily="49" charset="0"/>
+              </a:rPr>
+              <a:t>void</a:t>
+            </a:r>
+            <a:r>
+              <a:rPr lang="en-US" b="1" dirty="0">
+                <a:solidFill>
+                  <a:srgbClr val="000000"/>
+                </a:solidFill>
+                <a:latin typeface="Consolas" panose="020B0609020204030204" pitchFamily="49" charset="0"/>
+              </a:rPr>
+              <a:t> </a:t>
+            </a:r>
+            <a:r>
+              <a:rPr lang="en-US" b="1" dirty="0" err="1">
+                <a:solidFill>
+                  <a:srgbClr val="000000"/>
+                </a:solidFill>
+                <a:latin typeface="Consolas" panose="020B0609020204030204" pitchFamily="49" charset="0"/>
+              </a:rPr>
+              <a:t>collideWithPlayer</a:t>
+            </a:r>
+            <a:r>
+              <a:rPr lang="en-US" b="1" dirty="0">
+                <a:solidFill>
+                  <a:srgbClr val="000000"/>
+                </a:solidFill>
+                <a:latin typeface="Consolas" panose="020B0609020204030204" pitchFamily="49" charset="0"/>
+              </a:rPr>
+              <a:t>(Player </a:t>
+            </a:r>
+            <a:r>
+              <a:rPr lang="en-US" b="1" dirty="0" err="1">
+                <a:solidFill>
+                  <a:srgbClr val="000000"/>
+                </a:solidFill>
+                <a:latin typeface="Consolas" panose="020B0609020204030204" pitchFamily="49" charset="0"/>
+              </a:rPr>
+              <a:t>thisPlayer</a:t>
+            </a:r>
+            <a:r>
+              <a:rPr lang="en-US" b="1" dirty="0">
+                <a:solidFill>
+                  <a:srgbClr val="000000"/>
+                </a:solidFill>
+                <a:latin typeface="Consolas" panose="020B0609020204030204" pitchFamily="49" charset="0"/>
+              </a:rPr>
+              <a:t>) {</a:t>
+            </a:r>
+          </a:p>
+          <a:p>
+            <a:r>
+              <a:rPr lang="en-US" dirty="0">
+                <a:solidFill>
+                  <a:srgbClr val="000000"/>
+                </a:solidFill>
+                <a:latin typeface="Consolas" panose="020B0609020204030204" pitchFamily="49" charset="0"/>
+              </a:rPr>
+              <a:t>		//do specific action to player</a:t>
+            </a:r>
+          </a:p>
+          <a:p>
+            <a:r>
+              <a:rPr lang="en-US" dirty="0">
+                <a:solidFill>
+                  <a:srgbClr val="6A3E3E"/>
+                </a:solidFill>
+                <a:latin typeface="Consolas" panose="020B0609020204030204" pitchFamily="49" charset="0"/>
+              </a:rPr>
+              <a:t>		</a:t>
+            </a:r>
+            <a:r>
+              <a:rPr lang="en-US" dirty="0" err="1">
+                <a:solidFill>
+                  <a:srgbClr val="6A3E3E"/>
+                </a:solidFill>
+                <a:latin typeface="Consolas" panose="020B0609020204030204" pitchFamily="49" charset="0"/>
+              </a:rPr>
+              <a:t>thisPlayer</a:t>
+            </a:r>
+            <a:r>
+              <a:rPr lang="en-US" dirty="0" err="1">
+                <a:solidFill>
+                  <a:srgbClr val="000000"/>
+                </a:solidFill>
+                <a:latin typeface="Consolas" panose="020B0609020204030204" pitchFamily="49" charset="0"/>
+              </a:rPr>
+              <a:t>.speedUp</a:t>
+            </a:r>
+            <a:r>
+              <a:rPr lang="en-US" dirty="0">
+                <a:solidFill>
+                  <a:srgbClr val="000000"/>
+                </a:solidFill>
+                <a:latin typeface="Consolas" panose="020B0609020204030204" pitchFamily="49" charset="0"/>
+              </a:rPr>
+              <a:t>(</a:t>
+            </a:r>
+            <a:r>
+              <a:rPr lang="en-US" b="1" dirty="0">
+                <a:solidFill>
+                  <a:srgbClr val="000000"/>
+                </a:solidFill>
+                <a:latin typeface="Consolas" panose="020B0609020204030204" pitchFamily="49" charset="0"/>
+              </a:rPr>
+              <a:t>);</a:t>
+            </a:r>
+            <a:endParaRPr lang="en-US" b="1" i="1" dirty="0">
+              <a:solidFill>
+                <a:srgbClr val="000000"/>
+              </a:solidFill>
+              <a:latin typeface="Consolas" panose="020B0609020204030204" pitchFamily="49" charset="0"/>
+            </a:endParaRPr>
+          </a:p>
+          <a:p>
+            <a:r>
+              <a:rPr lang="en-US" dirty="0">
+                <a:solidFill>
+                  <a:srgbClr val="000000"/>
+                </a:solidFill>
+                <a:latin typeface="Consolas" panose="020B0609020204030204" pitchFamily="49" charset="0"/>
+              </a:rPr>
+              <a:t>	}</a:t>
+            </a:r>
+          </a:p>
+          <a:p>
             <a:endParaRPr lang="en-US" dirty="0">
               <a:solidFill>
                 <a:srgbClr val="000000"/>
@@ -5504,191 +5581,6 @@
             </a:endParaRPr>
           </a:p>
           <a:p>
-            <a:endParaRPr lang="en-US" dirty="0">
-              <a:solidFill>
-                <a:srgbClr val="646464"/>
-              </a:solidFill>
-              <a:latin typeface="Consolas" panose="020B0609020204030204" pitchFamily="49" charset="0"/>
-            </a:endParaRPr>
-          </a:p>
-          <a:p>
-            <a:r>
-              <a:rPr lang="en-US" b="1" dirty="0" smtClean="0">
-                <a:solidFill>
-                  <a:srgbClr val="7F0055"/>
-                </a:solidFill>
-                <a:latin typeface="Consolas" panose="020B0609020204030204" pitchFamily="49" charset="0"/>
-              </a:rPr>
-              <a:t>	public</a:t>
-            </a:r>
-            <a:r>
-              <a:rPr lang="en-US" b="1" dirty="0" smtClean="0">
-                <a:solidFill>
-                  <a:srgbClr val="000000"/>
-                </a:solidFill>
-                <a:latin typeface="Consolas" panose="020B0609020204030204" pitchFamily="49" charset="0"/>
-              </a:rPr>
-              <a:t> </a:t>
-            </a:r>
-            <a:r>
-              <a:rPr lang="en-US" b="1" dirty="0">
-                <a:solidFill>
-                  <a:srgbClr val="7F0055"/>
-                </a:solidFill>
-                <a:latin typeface="Consolas" panose="020B0609020204030204" pitchFamily="49" charset="0"/>
-              </a:rPr>
-              <a:t>void</a:t>
-            </a:r>
-            <a:r>
-              <a:rPr lang="en-US" b="1" dirty="0">
-                <a:solidFill>
-                  <a:srgbClr val="000000"/>
-                </a:solidFill>
-                <a:latin typeface="Consolas" panose="020B0609020204030204" pitchFamily="49" charset="0"/>
-              </a:rPr>
-              <a:t> </a:t>
-            </a:r>
-            <a:r>
-              <a:rPr lang="en-US" b="1" dirty="0" err="1" smtClean="0">
-                <a:solidFill>
-                  <a:srgbClr val="000000"/>
-                </a:solidFill>
-                <a:latin typeface="Consolas" panose="020B0609020204030204" pitchFamily="49" charset="0"/>
-              </a:rPr>
-              <a:t>collideWithPlayer</a:t>
-            </a:r>
-            <a:r>
-              <a:rPr lang="en-US" b="1" dirty="0" smtClean="0">
-                <a:solidFill>
-                  <a:srgbClr val="000000"/>
-                </a:solidFill>
-                <a:latin typeface="Consolas" panose="020B0609020204030204" pitchFamily="49" charset="0"/>
-              </a:rPr>
-              <a:t>(Player </a:t>
-            </a:r>
-            <a:r>
-              <a:rPr lang="en-US" b="1" dirty="0" err="1" smtClean="0">
-                <a:solidFill>
-                  <a:srgbClr val="000000"/>
-                </a:solidFill>
-                <a:latin typeface="Consolas" panose="020B0609020204030204" pitchFamily="49" charset="0"/>
-              </a:rPr>
-              <a:t>thisPlayer</a:t>
-            </a:r>
-            <a:r>
-              <a:rPr lang="en-US" b="1" dirty="0" smtClean="0">
-                <a:solidFill>
-                  <a:srgbClr val="000000"/>
-                </a:solidFill>
-                <a:latin typeface="Consolas" panose="020B0609020204030204" pitchFamily="49" charset="0"/>
-              </a:rPr>
-              <a:t>) </a:t>
-            </a:r>
-            <a:r>
-              <a:rPr lang="en-US" b="1" dirty="0">
-                <a:solidFill>
-                  <a:srgbClr val="000000"/>
-                </a:solidFill>
-                <a:latin typeface="Consolas" panose="020B0609020204030204" pitchFamily="49" charset="0"/>
-              </a:rPr>
-              <a:t>{</a:t>
-            </a:r>
-          </a:p>
-          <a:p>
-            <a:r>
-              <a:rPr lang="en-US" dirty="0" smtClean="0">
-                <a:solidFill>
-                  <a:srgbClr val="000000"/>
-                </a:solidFill>
-                <a:latin typeface="Consolas" panose="020B0609020204030204" pitchFamily="49" charset="0"/>
-              </a:rPr>
-              <a:t>		//do specific action to player</a:t>
-            </a:r>
-          </a:p>
-          <a:p>
-            <a:r>
-              <a:rPr lang="en-US" dirty="0">
-                <a:solidFill>
-                  <a:srgbClr val="6A3E3E"/>
-                </a:solidFill>
-                <a:latin typeface="Consolas" panose="020B0609020204030204" pitchFamily="49" charset="0"/>
-              </a:rPr>
-              <a:t>		</a:t>
-            </a:r>
-            <a:r>
-              <a:rPr lang="en-US" dirty="0" err="1" smtClean="0">
-                <a:solidFill>
-                  <a:srgbClr val="6A3E3E"/>
-                </a:solidFill>
-                <a:latin typeface="Consolas" panose="020B0609020204030204" pitchFamily="49" charset="0"/>
-              </a:rPr>
-              <a:t>thisPlayer</a:t>
-            </a:r>
-            <a:r>
-              <a:rPr lang="en-US" dirty="0" err="1" smtClean="0">
-                <a:solidFill>
-                  <a:srgbClr val="000000"/>
-                </a:solidFill>
-                <a:latin typeface="Consolas" panose="020B0609020204030204" pitchFamily="49" charset="0"/>
-              </a:rPr>
-              <a:t>.speedUp</a:t>
-            </a:r>
-            <a:r>
-              <a:rPr lang="en-US" dirty="0" smtClean="0">
-                <a:solidFill>
-                  <a:srgbClr val="000000"/>
-                </a:solidFill>
-                <a:latin typeface="Consolas" panose="020B0609020204030204" pitchFamily="49" charset="0"/>
-              </a:rPr>
-              <a:t>(</a:t>
-            </a:r>
-            <a:r>
-              <a:rPr lang="en-US" b="1" dirty="0" smtClean="0">
-                <a:solidFill>
-                  <a:srgbClr val="000000"/>
-                </a:solidFill>
-                <a:latin typeface="Consolas" panose="020B0609020204030204" pitchFamily="49" charset="0"/>
-              </a:rPr>
-              <a:t>);</a:t>
-            </a:r>
-            <a:endParaRPr lang="en-US" b="1" i="1" dirty="0" smtClean="0">
-              <a:solidFill>
-                <a:srgbClr val="000000"/>
-              </a:solidFill>
-              <a:latin typeface="Consolas" panose="020B0609020204030204" pitchFamily="49" charset="0"/>
-            </a:endParaRPr>
-          </a:p>
-          <a:p>
-            <a:r>
-              <a:rPr lang="en-US" dirty="0" smtClean="0">
-                <a:solidFill>
-                  <a:srgbClr val="000000"/>
-                </a:solidFill>
-                <a:latin typeface="Consolas" panose="020B0609020204030204" pitchFamily="49" charset="0"/>
-              </a:rPr>
-              <a:t>	}</a:t>
-            </a:r>
-          </a:p>
-          <a:p>
-            <a:endParaRPr lang="en-US" dirty="0">
-              <a:solidFill>
-                <a:srgbClr val="000000"/>
-              </a:solidFill>
-              <a:latin typeface="Consolas" panose="020B0609020204030204" pitchFamily="49" charset="0"/>
-            </a:endParaRPr>
-          </a:p>
-          <a:p>
-            <a:r>
-              <a:rPr lang="en-US" dirty="0" smtClean="0">
-                <a:solidFill>
-                  <a:srgbClr val="000000"/>
-                </a:solidFill>
-                <a:latin typeface="Consolas" panose="020B0609020204030204" pitchFamily="49" charset="0"/>
-              </a:rPr>
-              <a:t>	</a:t>
-            </a:r>
-          </a:p>
-          <a:p>
             <a:r>
               <a:rPr lang="en-US" dirty="0">
                 <a:solidFill>
@@ -5698,19 +5590,21 @@
               </a:rPr>
               <a:t>	</a:t>
             </a:r>
-            <a:r>
-              <a:rPr lang="en-US" dirty="0" smtClean="0">
+          </a:p>
+          <a:p>
+            <a:r>
+              <a:rPr lang="en-US" dirty="0">
                 <a:solidFill>
                   <a:srgbClr val="000000"/>
                 </a:solidFill>
                 <a:latin typeface="Consolas" panose="020B0609020204030204" pitchFamily="49" charset="0"/>
               </a:rPr>
-              <a:t>…</a:t>
-            </a:r>
-          </a:p>
-          <a:p>
-            <a:r>
-              <a:rPr lang="en-US" dirty="0" smtClean="0">
+              <a:t>	…</a:t>
+            </a:r>
+          </a:p>
+          <a:p>
+            <a:r>
+              <a:rPr lang="en-US" dirty="0">
                 <a:solidFill>
                   <a:srgbClr val="000000"/>
                 </a:solidFill>
@@ -5754,29 +5648,29 @@
           <a:lstStyle/>
           <a:p>
             <a:r>
-              <a:rPr lang="en-US" i="1" dirty="0" err="1" smtClean="0"/>
+              <a:rPr lang="en-US" i="1" dirty="0" err="1"/>
               <a:t>MultipleDispatchAdvancedSolution</a:t>
             </a:r>
             <a:r>
-              <a:rPr lang="en-US" dirty="0" smtClean="0"/>
+              <a:rPr lang="en-US" dirty="0"/>
               <a:t> in repo</a:t>
             </a:r>
           </a:p>
           <a:p>
             <a:r>
-              <a:rPr lang="en-US" dirty="0" smtClean="0"/>
+              <a:rPr lang="en-US" dirty="0"/>
               <a:t>Also, </a:t>
             </a:r>
             <a:r>
-              <a:rPr lang="en-US" i="1" dirty="0" err="1" smtClean="0"/>
+              <a:rPr lang="en-US" i="1" dirty="0" err="1"/>
               <a:t>DoubleDispatch</a:t>
             </a:r>
             <a:r>
-              <a:rPr lang="en-US" dirty="0" smtClean="0"/>
+              <a:rPr lang="en-US" dirty="0"/>
               <a:t> &amp; </a:t>
             </a:r>
             <a:r>
-              <a:rPr lang="en-US" i="1" dirty="0" err="1" smtClean="0"/>
+              <a:rPr lang="en-US" i="1" dirty="0" err="1"/>
               <a:t>DoubleDispatchSolution</a:t>
             </a:r>
             <a:endParaRPr lang="en-US" i="1" dirty="0"/>
@@ -5811,18 +5705,17 @@
           <a:lstStyle/>
           <a:p>
             <a:r>
-              <a:rPr lang="en-US" dirty="0" smtClean="0"/>
+              <a:rPr lang="en-US" dirty="0"/>
               <a:t>The other object decides </a:t>
             </a:r>
             <a:r>
-              <a:rPr lang="en-US" u="sng" dirty="0" smtClean="0"/>
+              <a:rPr lang="en-US" u="sng" dirty="0"/>
               <a:t>for itself</a:t>
             </a:r>
             <a:r>
-              <a:rPr lang="en-US" dirty="0" smtClean="0"/>
+              <a:rPr lang="en-US" dirty="0"/>
               <a:t> how to respond.</a:t>
             </a:r>
-            <a:endParaRPr lang="en-US" dirty="0"/>
           </a:p>
         </p:txBody>
       </p:sp>
@@ -5854,26 +5747,25 @@
           <a:lstStyle/>
           <a:p>
             <a:r>
-              <a:rPr lang="en-US" dirty="0" smtClean="0"/>
+              <a:rPr lang="en-US" dirty="0"/>
               <a:t>The Player called </a:t>
             </a:r>
             <a:r>
-              <a:rPr lang="en-US" dirty="0" err="1" smtClean="0"/>
+              <a:rPr lang="en-US" dirty="0" err="1"/>
               <a:t>speedPowerUp.collideWithPlayer</a:t>
             </a:r>
             <a:r>
-              <a:rPr lang="en-US" dirty="0" smtClean="0"/>
+              <a:rPr lang="en-US" dirty="0"/>
               <a:t>(</a:t>
             </a:r>
             <a:r>
-              <a:rPr lang="en-US" dirty="0" err="1" smtClean="0"/>
+              <a:rPr lang="en-US" dirty="0" err="1"/>
               <a:t>thisPlayer</a:t>
             </a:r>
             <a:r>
-              <a:rPr lang="en-US" dirty="0" smtClean="0"/>
+              <a:rPr lang="en-US" dirty="0"/>
               <a:t>)</a:t>
             </a:r>
-            <a:endParaRPr lang="en-US" dirty="0"/>
           </a:p>
         </p:txBody>
       </p:sp>
@@ -5906,17 +5798,16 @@
           <a:p>
             <a:pPr algn="ctr"/>
             <a:r>
-              <a:rPr lang="en-US" dirty="0" smtClean="0"/>
+              <a:rPr lang="en-US" dirty="0"/>
               <a:t>Objects make collide_____() calls on each other </a:t>
             </a:r>
           </a:p>
           <a:p>
             <a:pPr algn="ctr"/>
             <a:r>
-              <a:rPr lang="en-US" dirty="0" smtClean="0"/>
+              <a:rPr lang="en-US" dirty="0"/>
               <a:t>until one decides to handle the collision.</a:t>
             </a:r>
-            <a:endParaRPr lang="en-US" dirty="0"/>
           </a:p>
         </p:txBody>
       </p:sp>
@@ -5930,13 +5821,6 @@
   <p:clrMapOvr>
     <a:masterClrMapping/>
   </p:clrMapOvr>
-  <p:timing>
-    <p:tnLst>
-      <p:par>
-        <p:cTn id="1" dur="indefinite" restart="never" nodeType="tmRoot"/>
-      </p:par>
-    </p:tnLst>
-  </p:timing>
 </p:sld>
 </file>
 
@@ -5976,16 +5860,12 @@
               <a:defRPr/>
             </a:pPr>
             <a:r>
-              <a:rPr lang="en-US" dirty="0" smtClean="0">
+              <a:rPr lang="en-US" dirty="0">
                 <a:ea typeface="+mj-ea"/>
                 <a:cs typeface="+mj-cs"/>
               </a:rPr>
               <a:t>Team Project</a:t>
             </a:r>
-            <a:endParaRPr lang="en-US" dirty="0">
-              <a:ea typeface="+mj-ea"/>
-              <a:cs typeface="+mj-cs"/>
-            </a:endParaRPr>
           </a:p>
         </p:txBody>
       </p:sp>
@@ -6005,13 +5885,13 @@
           <a:lstStyle/>
           <a:p>
             <a:r>
-              <a:rPr lang="en-US" dirty="0" smtClean="0"/>
+              <a:rPr lang="en-US" dirty="0"/>
               <a:t>Work time</a:t>
             </a:r>
           </a:p>
           <a:p>
             <a:r>
-              <a:rPr lang="en-US" i="1" dirty="0" smtClean="0"/>
+              <a:rPr lang="en-US" i="1" dirty="0"/>
               <a:t>Be sure everyone is getting a chance to drive.</a:t>
             </a:r>
           </a:p>
@@ -6023,13 +5903,6 @@
     <a:masterClrMapping/>
   </p:clrMapOvr>
   <p:transition/>
-  <p:timing>
-    <p:tnLst>
-      <p:par>
-        <p:cTn id="1" dur="indefinite" restart="never" nodeType="tmRoot"/>
-      </p:par>
-    </p:tnLst>
-  </p:timing>
 </p:sld>
 </file>
 
@@ -6066,10 +5939,9 @@
           <a:lstStyle/>
           <a:p>
             <a:r>
-              <a:rPr lang="en-US" dirty="0" smtClean="0"/>
+              <a:rPr lang="en-US" dirty="0"/>
               <a:t>The problem</a:t>
             </a:r>
-            <a:endParaRPr lang="en-US" dirty="0"/>
           </a:p>
         </p:txBody>
       </p:sp>
@@ -6091,39 +5963,39 @@
           <a:lstStyle/>
           <a:p>
             <a:r>
-              <a:rPr lang="en-US" dirty="0" smtClean="0"/>
+              <a:rPr lang="en-US" dirty="0"/>
               <a:t>Monsters can collide with rocks.</a:t>
             </a:r>
           </a:p>
           <a:p>
             <a:r>
-              <a:rPr lang="en-US" dirty="0" smtClean="0"/>
+              <a:rPr lang="en-US" dirty="0"/>
               <a:t>Rocks can crush monsters.</a:t>
             </a:r>
           </a:p>
           <a:p>
             <a:r>
-              <a:rPr lang="en-US" dirty="0" smtClean="0"/>
+              <a:rPr lang="en-US" dirty="0"/>
               <a:t>Players can collide with monsters.</a:t>
             </a:r>
           </a:p>
           <a:p>
             <a:r>
-              <a:rPr lang="en-US" dirty="0" smtClean="0"/>
+              <a:rPr lang="en-US" dirty="0"/>
               <a:t>Players can be crushed by rocks.</a:t>
             </a:r>
           </a:p>
           <a:p>
             <a:r>
-              <a:rPr lang="en-US" dirty="0" smtClean="0"/>
+              <a:rPr lang="en-US" dirty="0"/>
               <a:t>Players can take </a:t>
             </a:r>
             <a:r>
-              <a:rPr lang="en-US" dirty="0" err="1" smtClean="0"/>
+              <a:rPr lang="en-US" dirty="0" err="1"/>
               <a:t>powerups</a:t>
             </a:r>
             <a:r>
-              <a:rPr lang="en-US" dirty="0" smtClean="0"/>
+              <a:rPr lang="en-US" dirty="0"/>
               <a:t>.</a:t>
             </a:r>
           </a:p>
@@ -6135,10 +6007,9 @@
               <a:buNone/>
             </a:pPr>
             <a:r>
-              <a:rPr lang="en-US" dirty="0" smtClean="0"/>
+              <a:rPr lang="en-US" dirty="0"/>
               <a:t>So many collisions! How do we handle them all?</a:t>
             </a:r>
-            <a:endParaRPr lang="en-US" dirty="0"/>
           </a:p>
         </p:txBody>
       </p:sp>
@@ -6188,10 +6059,9 @@
           <a:lstStyle/>
           <a:p>
             <a:r>
-              <a:rPr lang="en-US" dirty="0" smtClean="0"/>
+              <a:rPr lang="en-US" dirty="0"/>
               <a:t>What not to do</a:t>
             </a:r>
-            <a:endParaRPr lang="en-US" dirty="0"/>
           </a:p>
         </p:txBody>
       </p:sp>
@@ -6252,10 +6122,9 @@
           <a:lstStyle/>
           <a:p>
             <a:r>
-              <a:rPr lang="en-US" dirty="0" smtClean="0"/>
+              <a:rPr lang="en-US" dirty="0"/>
               <a:t>Why is this design bad?</a:t>
             </a:r>
-            <a:endParaRPr lang="en-US" dirty="0"/>
           </a:p>
         </p:txBody>
       </p:sp>
@@ -6305,10 +6174,9 @@
           <a:lstStyle/>
           <a:p>
             <a:r>
-              <a:rPr lang="en-US" dirty="0" smtClean="0"/>
+              <a:rPr lang="en-US" dirty="0"/>
               <a:t>Slightly better?</a:t>
             </a:r>
-            <a:endParaRPr lang="en-US" dirty="0"/>
           </a:p>
         </p:txBody>
       </p:sp>
@@ -6369,11 +6237,11 @@
           <a:lstStyle/>
           <a:p>
             <a:r>
-              <a:rPr lang="en-US" dirty="0" smtClean="0"/>
+              <a:rPr lang="en-US" dirty="0"/>
               <a:t>But tempts you to use </a:t>
             </a:r>
             <a:r>
-              <a:rPr lang="en-US" b="1" dirty="0" err="1" smtClean="0">
+              <a:rPr lang="en-US" b="1" dirty="0" err="1">
                 <a:solidFill>
                   <a:srgbClr val="FF0000"/>
                 </a:solidFill>
@@ -6381,10 +6249,9 @@
               <a:t>instanceof</a:t>
             </a:r>
             <a:r>
-              <a:rPr lang="en-US" dirty="0" smtClean="0"/>
+              <a:rPr lang="en-US" dirty="0"/>
               <a:t>…</a:t>
             </a:r>
-            <a:endParaRPr lang="en-US" dirty="0"/>
           </a:p>
         </p:txBody>
       </p:sp>
@@ -6436,26 +6303,25 @@
           <a:lstStyle/>
           <a:p>
             <a:r>
-              <a:rPr lang="en-US" dirty="0" smtClean="0"/>
+              <a:rPr lang="en-US" dirty="0"/>
               <a:t>A bad </a:t>
             </a:r>
             <a:r>
-              <a:rPr lang="en-US" dirty="0" err="1" smtClean="0"/>
+              <a:rPr lang="en-US" dirty="0" err="1"/>
               <a:t>Player.collide</a:t>
             </a:r>
             <a:r>
-              <a:rPr lang="en-US" dirty="0" smtClean="0"/>
+              <a:rPr lang="en-US" dirty="0"/>
               <a:t>(</a:t>
             </a:r>
             <a:r>
-              <a:rPr lang="en-US" dirty="0" err="1" smtClean="0"/>
+              <a:rPr lang="en-US" dirty="0" err="1"/>
               <a:t>GameObject</a:t>
             </a:r>
             <a:r>
-              <a:rPr lang="en-US" dirty="0" smtClean="0"/>
+              <a:rPr lang="en-US" dirty="0"/>
               <a:t> o1)</a:t>
             </a:r>
-            <a:endParaRPr lang="en-US" dirty="0"/>
           </a:p>
         </p:txBody>
       </p:sp>
@@ -6478,7 +6344,7 @@
               <a:buNone/>
             </a:pPr>
             <a:r>
-              <a:rPr lang="en-US" dirty="0" smtClean="0">
+              <a:rPr lang="en-US" dirty="0">
                 <a:latin typeface="Consolas" panose="020B0609020204030204" pitchFamily="49" charset="0"/>
               </a:rPr>
               <a:t>// player has landed on o1</a:t>
@@ -6489,13 +6355,13 @@
               <a:buNone/>
             </a:pPr>
             <a:r>
-              <a:rPr lang="en-US" dirty="0" smtClean="0">
+              <a:rPr lang="en-US" dirty="0">
                 <a:latin typeface="Consolas" panose="020B0609020204030204" pitchFamily="49" charset="0"/>
               </a:rPr>
               <a:t>if(o1 </a:t>
             </a:r>
             <a:r>
-              <a:rPr lang="en-US" b="1" dirty="0" err="1" smtClean="0">
+              <a:rPr lang="en-US" b="1" dirty="0" err="1">
                 <a:solidFill>
                   <a:srgbClr val="FF0000"/>
                 </a:solidFill>
@@ -6504,7 +6370,7 @@
               <a:t>instanceof</a:t>
             </a:r>
             <a:r>
-              <a:rPr lang="en-US" dirty="0" smtClean="0">
+              <a:rPr lang="en-US" dirty="0">
                 <a:solidFill>
                   <a:srgbClr val="FF0000"/>
                 </a:solidFill>
@@ -6513,13 +6379,13 @@
               <a:t> </a:t>
             </a:r>
             <a:r>
-              <a:rPr lang="en-US" dirty="0" err="1" smtClean="0">
+              <a:rPr lang="en-US" dirty="0" err="1">
                 <a:latin typeface="Consolas" panose="020B0609020204030204" pitchFamily="49" charset="0"/>
               </a:rPr>
               <a:t>SpeedPowerUp</a:t>
             </a:r>
             <a:r>
-              <a:rPr lang="en-US" dirty="0" smtClean="0">
+              <a:rPr lang="en-US" dirty="0">
                 <a:latin typeface="Consolas" panose="020B0609020204030204" pitchFamily="49" charset="0"/>
               </a:rPr>
               <a:t>) {</a:t>
@@ -6530,21 +6396,18 @@
               <a:buNone/>
             </a:pPr>
             <a:r>
-              <a:rPr lang="en-US" dirty="0" smtClean="0">
+              <a:rPr lang="en-US" dirty="0">
                 <a:latin typeface="Consolas" panose="020B0609020204030204" pitchFamily="49" charset="0"/>
               </a:rPr>
               <a:t>   // code to increase speed</a:t>
             </a:r>
-            <a:endParaRPr lang="en-US" dirty="0">
-              <a:latin typeface="Consolas" panose="020B0609020204030204" pitchFamily="49" charset="0"/>
-            </a:endParaRPr>
           </a:p>
           <a:p>
             <a:pPr marL="0" indent="0">
               <a:buNone/>
             </a:pPr>
             <a:r>
-              <a:rPr lang="en-US" dirty="0" smtClean="0">
+              <a:rPr lang="en-US" dirty="0">
                 <a:latin typeface="Consolas" panose="020B0609020204030204" pitchFamily="49" charset="0"/>
               </a:rPr>
               <a:t>}</a:t>
@@ -6555,13 +6418,13 @@
               <a:buNone/>
             </a:pPr>
             <a:r>
-              <a:rPr lang="en-US" dirty="0" smtClean="0">
+              <a:rPr lang="en-US" dirty="0">
                 <a:latin typeface="Consolas" panose="020B0609020204030204" pitchFamily="49" charset="0"/>
               </a:rPr>
               <a:t>if(o1 </a:t>
             </a:r>
             <a:r>
-              <a:rPr lang="en-US" b="1" dirty="0" err="1" smtClean="0">
+              <a:rPr lang="en-US" b="1" dirty="0" err="1">
                 <a:solidFill>
                   <a:srgbClr val="FF0000"/>
                 </a:solidFill>
@@ -6570,7 +6433,7 @@
               <a:t>instanceof</a:t>
             </a:r>
             <a:r>
-              <a:rPr lang="en-US" dirty="0" smtClean="0">
+              <a:rPr lang="en-US" dirty="0">
                 <a:solidFill>
                   <a:srgbClr val="FF0000"/>
                 </a:solidFill>
@@ -6579,22 +6442,16 @@
               <a:t> </a:t>
             </a:r>
             <a:r>
-              <a:rPr lang="en-US" dirty="0" err="1" smtClean="0">
+              <a:rPr lang="en-US" dirty="0" err="1">
                 <a:latin typeface="Consolas" panose="020B0609020204030204" pitchFamily="49" charset="0"/>
               </a:rPr>
               <a:t>LifePowerUp</a:t>
             </a:r>
             <a:r>
-              <a:rPr lang="en-US" dirty="0" smtClean="0">
-                <a:latin typeface="Consolas" panose="020B0609020204030204" pitchFamily="49" charset="0"/>
-              </a:rPr>
-              <a:t>) </a:t>
-            </a:r>
-            <a:r>
               <a:rPr lang="en-US" dirty="0">
                 <a:latin typeface="Consolas" panose="020B0609020204030204" pitchFamily="49" charset="0"/>
               </a:rPr>
-              <a:t>{</a:t>
+              <a:t>) {</a:t>
             </a:r>
           </a:p>
           <a:p>
@@ -6605,31 +6462,19 @@
               <a:rPr lang="en-US" dirty="0">
                 <a:latin typeface="Consolas" panose="020B0609020204030204" pitchFamily="49" charset="0"/>
               </a:rPr>
-              <a:t> // code to increase </a:t>
-            </a:r>
-            <a:r>
-              <a:rPr lang="en-US" dirty="0" smtClean="0">
-                <a:latin typeface="Consolas" panose="020B0609020204030204" pitchFamily="49" charset="0"/>
-              </a:rPr>
-              <a:t>life</a:t>
-            </a:r>
-            <a:endParaRPr lang="en-US" dirty="0">
-              <a:latin typeface="Consolas" panose="020B0609020204030204" pitchFamily="49" charset="0"/>
-            </a:endParaRPr>
+              <a:t> // code to increase life</a:t>
+            </a:r>
           </a:p>
           <a:p>
             <a:pPr marL="0" indent="0">
               <a:buNone/>
             </a:pPr>
             <a:r>
-              <a:rPr lang="en-US" dirty="0" smtClean="0">
+              <a:rPr lang="en-US" dirty="0">
                 <a:latin typeface="Consolas" panose="020B0609020204030204" pitchFamily="49" charset="0"/>
               </a:rPr>
               <a:t>}</a:t>
             </a:r>
-            <a:endParaRPr lang="en-US" dirty="0">
-              <a:latin typeface="Consolas" panose="020B0609020204030204" pitchFamily="49" charset="0"/>
-            </a:endParaRPr>
           </a:p>
           <a:p>
             <a:pPr marL="0" indent="0">
@@ -6687,14 +6532,13 @@
           <a:lstStyle/>
           <a:p>
             <a:r>
-              <a:rPr lang="en-US" u="sng" dirty="0" smtClean="0"/>
+              <a:rPr lang="en-US" u="sng" dirty="0"/>
               <a:t>Same</a:t>
             </a:r>
             <a:r>
-              <a:rPr lang="en-US" dirty="0" smtClean="0"/>
+              <a:rPr lang="en-US" dirty="0"/>
               <a:t> Bad Idea</a:t>
             </a:r>
-            <a:endParaRPr lang="en-US" dirty="0"/>
           </a:p>
         </p:txBody>
       </p:sp>
@@ -6724,7 +6568,7 @@
               <a:buNone/>
             </a:pPr>
             <a:r>
-              <a:rPr lang="en-US" dirty="0" smtClean="0">
+              <a:rPr lang="en-US" dirty="0">
                 <a:latin typeface="Consolas" panose="020B0609020204030204" pitchFamily="49" charset="0"/>
               </a:rPr>
               <a:t>//player has landed on o1</a:t>
@@ -6735,82 +6579,10 @@
               <a:buNone/>
             </a:pPr>
             <a:r>
-              <a:rPr lang="en-US" dirty="0" smtClean="0">
+              <a:rPr lang="en-US" dirty="0">
                 <a:latin typeface="Consolas" panose="020B0609020204030204" pitchFamily="49" charset="0"/>
               </a:rPr>
               <a:t>if(o1</a:t>
-            </a:r>
-            <a:r>
-              <a:rPr lang="en-US" dirty="0" smtClean="0">
-                <a:solidFill>
-                  <a:srgbClr val="FF0000"/>
-                </a:solidFill>
-                <a:latin typeface="Consolas" panose="020B0609020204030204" pitchFamily="49" charset="0"/>
-              </a:rPr>
-              <a:t>.type().equals</a:t>
-            </a:r>
-            <a:r>
-              <a:rPr lang="en-US" dirty="0" smtClean="0">
-                <a:latin typeface="Consolas" panose="020B0609020204030204" pitchFamily="49" charset="0"/>
-              </a:rPr>
-              <a:t>(“</a:t>
-            </a:r>
-            <a:r>
-              <a:rPr lang="en-US" dirty="0" err="1" smtClean="0">
-                <a:latin typeface="Consolas" panose="020B0609020204030204" pitchFamily="49" charset="0"/>
-              </a:rPr>
-              <a:t>SpeedPowerUp</a:t>
-            </a:r>
-            <a:r>
-              <a:rPr lang="en-US" dirty="0" smtClean="0">
-                <a:latin typeface="Consolas" panose="020B0609020204030204" pitchFamily="49" charset="0"/>
-              </a:rPr>
-              <a:t>”)) {</a:t>
-            </a:r>
-          </a:p>
-          <a:p>
-            <a:pPr marL="0" indent="0">
-              <a:buNone/>
-            </a:pPr>
-            <a:r>
-              <a:rPr lang="en-US" dirty="0" smtClean="0">
-                <a:latin typeface="Consolas" panose="020B0609020204030204" pitchFamily="49" charset="0"/>
-              </a:rPr>
-              <a:t>   //code to increase speed</a:t>
-            </a:r>
-            <a:endParaRPr lang="en-US" dirty="0">
-              <a:latin typeface="Consolas" panose="020B0609020204030204" pitchFamily="49" charset="0"/>
-            </a:endParaRPr>
-          </a:p>
-          <a:p>
-            <a:pPr marL="0" indent="0">
-              <a:buNone/>
-            </a:pPr>
-            <a:r>
-              <a:rPr lang="en-US" dirty="0" smtClean="0">
-                <a:latin typeface="Consolas" panose="020B0609020204030204" pitchFamily="49" charset="0"/>
-              </a:rPr>
-              <a:t>}</a:t>
-            </a:r>
-          </a:p>
-          <a:p>
-            <a:pPr marL="0" indent="0">
-              <a:buNone/>
-            </a:pPr>
-            <a:r>
-              <a:rPr lang="en-US" dirty="0" smtClean="0">
-                <a:latin typeface="Consolas" panose="020B0609020204030204" pitchFamily="49" charset="0"/>
-              </a:rPr>
-              <a:t>if(o1</a:t>
-            </a:r>
-            <a:r>
-              <a:rPr lang="en-US" dirty="0" smtClean="0">
-                <a:solidFill>
-                  <a:srgbClr val="FF0000"/>
-                </a:solidFill>
-                <a:latin typeface="Consolas" panose="020B0609020204030204" pitchFamily="49" charset="0"/>
-              </a:rPr>
-              <a:t>.type</a:t>
             </a:r>
             <a:r>
               <a:rPr lang="en-US" dirty="0">
@@ -6819,31 +6591,85 @@
                 </a:solidFill>
                 <a:latin typeface="Consolas" panose="020B0609020204030204" pitchFamily="49" charset="0"/>
               </a:rPr>
-              <a:t>().equals</a:t>
-            </a:r>
-            <a:r>
-              <a:rPr lang="en-US" dirty="0" smtClean="0">
+              <a:t>.type().equals</a:t>
+            </a:r>
+            <a:r>
+              <a:rPr lang="en-US" dirty="0">
                 <a:latin typeface="Consolas" panose="020B0609020204030204" pitchFamily="49" charset="0"/>
               </a:rPr>
               <a:t>(“</a:t>
             </a:r>
             <a:r>
-              <a:rPr lang="en-US" dirty="0" err="1" smtClean="0">
+              <a:rPr lang="en-US" dirty="0" err="1">
+                <a:latin typeface="Consolas" panose="020B0609020204030204" pitchFamily="49" charset="0"/>
+              </a:rPr>
+              <a:t>SpeedPowerUp</a:t>
+            </a:r>
+            <a:r>
+              <a:rPr lang="en-US" dirty="0">
+                <a:latin typeface="Consolas" panose="020B0609020204030204" pitchFamily="49" charset="0"/>
+              </a:rPr>
+              <a:t>”)) {</a:t>
+            </a:r>
+          </a:p>
+          <a:p>
+            <a:pPr marL="0" indent="0">
+              <a:buNone/>
+            </a:pPr>
+            <a:r>
+              <a:rPr lang="en-US" dirty="0">
+                <a:latin typeface="Consolas" panose="020B0609020204030204" pitchFamily="49" charset="0"/>
+              </a:rPr>
+              <a:t>   //code to increase speed</a:t>
+            </a:r>
+          </a:p>
+          <a:p>
+            <a:pPr marL="0" indent="0">
+              <a:buNone/>
+            </a:pPr>
+            <a:r>
+              <a:rPr lang="en-US" dirty="0">
+                <a:latin typeface="Consolas" panose="020B0609020204030204" pitchFamily="49" charset="0"/>
+              </a:rPr>
+              <a:t>}</a:t>
+            </a:r>
+          </a:p>
+          <a:p>
+            <a:pPr marL="0" indent="0">
+              <a:buNone/>
+            </a:pPr>
+            <a:r>
+              <a:rPr lang="en-US" dirty="0">
+                <a:latin typeface="Consolas" panose="020B0609020204030204" pitchFamily="49" charset="0"/>
+              </a:rPr>
+              <a:t>if(o1</a:t>
+            </a:r>
+            <a:r>
+              <a:rPr lang="en-US" dirty="0">
+                <a:solidFill>
+                  <a:srgbClr val="FF0000"/>
+                </a:solidFill>
+                <a:latin typeface="Consolas" panose="020B0609020204030204" pitchFamily="49" charset="0"/>
+              </a:rPr>
+              <a:t>.type().equals</a:t>
+            </a:r>
+            <a:r>
+              <a:rPr lang="en-US" dirty="0">
+                <a:latin typeface="Consolas" panose="020B0609020204030204" pitchFamily="49" charset="0"/>
+              </a:rPr>
+              <a:t>(“</a:t>
+            </a:r>
+            <a:r>
+              <a:rPr lang="en-US" dirty="0" err="1">
                 <a:latin typeface="Consolas" panose="020B0609020204030204" pitchFamily="49" charset="0"/>
               </a:rPr>
               <a:t>LifePowerUp</a:t>
             </a:r>
             <a:r>
-              <a:rPr lang="en-US" dirty="0" smtClean="0">
-                <a:latin typeface="Consolas" panose="020B0609020204030204" pitchFamily="49" charset="0"/>
-              </a:rPr>
-              <a:t>”)) </a:t>
-            </a:r>
-            <a:r>
               <a:rPr lang="en-US" dirty="0">
                 <a:latin typeface="Consolas" panose="020B0609020204030204" pitchFamily="49" charset="0"/>
               </a:rPr>
-              <a:t>{</a:t>
+              <a:t>”)) {</a:t>
             </a:r>
           </a:p>
           <a:p>
@@ -6854,17 +6680,8 @@
               <a:rPr lang="en-US" dirty="0">
                 <a:latin typeface="Consolas" panose="020B0609020204030204" pitchFamily="49" charset="0"/>
               </a:rPr>
-              <a:t>   //code </a:t>
-            </a:r>
-            <a:r>
-              <a:rPr lang="en-US" dirty="0" smtClean="0">
-                <a:latin typeface="Consolas" panose="020B0609020204030204" pitchFamily="49" charset="0"/>
-              </a:rPr>
-              <a:t>to increase life</a:t>
-            </a:r>
-            <a:endParaRPr lang="en-US" dirty="0">
-              <a:latin typeface="Consolas" panose="020B0609020204030204" pitchFamily="49" charset="0"/>
-            </a:endParaRPr>
+              <a:t>   //code to increase life</a:t>
+            </a:r>
           </a:p>
           <a:p>
             <a:pPr marL="0" indent="0">
@@ -6933,14 +6750,13 @@
           <a:lstStyle/>
           <a:p>
             <a:r>
-              <a:rPr lang="en-US" dirty="0" err="1" smtClean="0"/>
+              <a:rPr lang="en-US" dirty="0" err="1"/>
               <a:t>instanceof</a:t>
             </a:r>
             <a:r>
-              <a:rPr lang="en-US" dirty="0" smtClean="0"/>
+              <a:rPr lang="en-US" dirty="0"/>
               <a:t> -  in general</a:t>
             </a:r>
-            <a:endParaRPr lang="en-US" dirty="0"/>
           </a:p>
         </p:txBody>
       </p:sp>
@@ -6962,7 +6778,7 @@
           <a:lstStyle/>
           <a:p>
             <a:r>
-              <a:rPr lang="en-US" b="1" dirty="0" err="1" smtClean="0">
+              <a:rPr lang="en-US" b="1" dirty="0" err="1">
                 <a:solidFill>
                   <a:srgbClr val="FF0000"/>
                 </a:solidFill>
@@ -6970,7 +6786,7 @@
               <a:t>instanceof</a:t>
             </a:r>
             <a:r>
-              <a:rPr lang="en-US" dirty="0" smtClean="0">
+              <a:rPr lang="en-US" dirty="0">
                 <a:solidFill>
                   <a:srgbClr val="FF0000"/>
                 </a:solidFill>
@@ -6978,11 +6794,11 @@
               <a:t> </a:t>
             </a:r>
             <a:r>
-              <a:rPr lang="en-US" dirty="0" smtClean="0"/>
+              <a:rPr lang="en-US" dirty="0"/>
               <a:t>is like </a:t>
             </a:r>
             <a:r>
-              <a:rPr lang="en-US" dirty="0" smtClean="0">
+              <a:rPr lang="en-US" dirty="0">
                 <a:solidFill>
                   <a:srgbClr val="FF0000"/>
                 </a:solidFill>
@@ -6990,11 +6806,11 @@
               <a:t>static</a:t>
             </a:r>
             <a:r>
-              <a:rPr lang="en-US" dirty="0" smtClean="0"/>
+              <a:rPr lang="en-US" dirty="0"/>
               <a:t>. It is </a:t>
             </a:r>
             <a:r>
-              <a:rPr lang="en-US" dirty="0" smtClean="0">
+              <a:rPr lang="en-US" dirty="0">
                 <a:solidFill>
                   <a:srgbClr val="FF0000"/>
                 </a:solidFill>
@@ -7002,7 +6818,7 @@
               <a:t>dead</a:t>
             </a:r>
             <a:r>
-              <a:rPr lang="en-US" dirty="0" smtClean="0"/>
+              <a:rPr lang="en-US" dirty="0"/>
               <a:t> to you.</a:t>
             </a:r>
           </a:p>
@@ -7011,23 +6827,23 @@
           </a:p>
           <a:p>
             <a:r>
-              <a:rPr lang="en-US" dirty="0" smtClean="0"/>
+              <a:rPr lang="en-US" dirty="0"/>
               <a:t>Instead: add </a:t>
             </a:r>
             <a:r>
-              <a:rPr lang="en-US" b="1" dirty="0" smtClean="0"/>
+              <a:rPr lang="en-US" b="1" dirty="0"/>
               <a:t>new</a:t>
             </a:r>
             <a:r>
-              <a:rPr lang="en-US" dirty="0" smtClean="0"/>
+              <a:rPr lang="en-US" dirty="0"/>
               <a:t> </a:t>
             </a:r>
             <a:r>
-              <a:rPr lang="en-US" b="1" dirty="0" smtClean="0"/>
+              <a:rPr lang="en-US" b="1" dirty="0"/>
               <a:t>interface methods</a:t>
             </a:r>
             <a:r>
-              <a:rPr lang="en-US" dirty="0" smtClean="0"/>
+              <a:rPr lang="en-US" dirty="0"/>
               <a:t>.</a:t>
             </a:r>
           </a:p>
@@ -7036,15 +6852,15 @@
           </a:p>
           <a:p>
             <a:r>
-              <a:rPr lang="en-US" dirty="0" smtClean="0"/>
+              <a:rPr lang="en-US" dirty="0"/>
               <a:t>Recall this is called </a:t>
             </a:r>
             <a:r>
-              <a:rPr lang="en-US" b="1" dirty="0" smtClean="0"/>
+              <a:rPr lang="en-US" b="1" dirty="0"/>
               <a:t>polymorphism</a:t>
             </a:r>
             <a:r>
-              <a:rPr lang="en-US" dirty="0" smtClean="0"/>
+              <a:rPr lang="en-US" dirty="0"/>
               <a:t>.</a:t>
             </a:r>
           </a:p>
@@ -7060,13 +6876,6 @@
   <p:clrMapOvr>
     <a:masterClrMapping/>
   </p:clrMapOvr>
-  <p:timing>
-    <p:tnLst>
-      <p:par>
-        <p:cTn id="1" dur="indefinite" restart="never" nodeType="tmRoot"/>
-      </p:par>
-    </p:tnLst>
-  </p:timing>
 </p:sld>
 </file>
 
@@ -7103,10 +6912,9 @@
           <a:lstStyle/>
           <a:p>
             <a:r>
-              <a:rPr lang="en-US" dirty="0" smtClean="0"/>
+              <a:rPr lang="en-US" dirty="0"/>
               <a:t>Polymorphic Solution</a:t>
             </a:r>
-            <a:endParaRPr lang="en-US" dirty="0"/>
           </a:p>
         </p:txBody>
       </p:sp>
@@ -7185,10 +6993,9 @@
           <a:lstStyle/>
           <a:p>
             <a:r>
-              <a:rPr lang="en-US" dirty="0" smtClean="0"/>
+              <a:rPr lang="en-US" dirty="0"/>
               <a:t>Polymorphic Solution</a:t>
             </a:r>
-            <a:endParaRPr lang="en-US" dirty="0"/>
           </a:p>
         </p:txBody>
       </p:sp>
@@ -7213,7 +7020,7 @@
               <a:buNone/>
             </a:pPr>
             <a:r>
-              <a:rPr lang="en-US" b="1" dirty="0" smtClean="0">
+              <a:rPr lang="en-US" b="1" dirty="0">
                 <a:latin typeface="Consolas" panose="020B0609020204030204" pitchFamily="49" charset="0"/>
               </a:rPr>
               <a:t>o1.collideWithPlayer(player);</a:t>
@@ -7232,53 +7039,16 @@
               <a:buNone/>
             </a:pPr>
             <a:r>
-              <a:rPr lang="en-US" dirty="0" smtClean="0">
+              <a:rPr lang="en-US" dirty="0">
                 <a:latin typeface="Consolas" panose="020B0609020204030204" pitchFamily="49" charset="0"/>
               </a:rPr>
               <a:t>// in </a:t>
             </a:r>
             <a:r>
-              <a:rPr lang="en-US" dirty="0" err="1" smtClean="0">
+              <a:rPr lang="en-US" dirty="0" err="1">
                 <a:latin typeface="Consolas" panose="020B0609020204030204" pitchFamily="49" charset="0"/>
               </a:rPr>
               <a:t>SpeedPowerUpClass</a:t>
-            </a:r>
-            <a:endParaRPr lang="en-US" dirty="0" smtClean="0">
-              <a:latin typeface="Consolas" panose="020B0609020204030204" pitchFamily="49" charset="0"/>
-            </a:endParaRPr>
-          </a:p>
-          <a:p>
-            <a:pPr marL="0" indent="0">
-              <a:buNone/>
-            </a:pPr>
-            <a:r>
-              <a:rPr lang="en-US" dirty="0" smtClean="0">
-                <a:latin typeface="Consolas" panose="020B0609020204030204" pitchFamily="49" charset="0"/>
-              </a:rPr>
-              <a:t>void </a:t>
-            </a:r>
-            <a:r>
-              <a:rPr lang="en-US" b="1" dirty="0" err="1" smtClean="0">
-                <a:latin typeface="Consolas" panose="020B0609020204030204" pitchFamily="49" charset="0"/>
-              </a:rPr>
-              <a:t>collideWithPlayer</a:t>
-            </a:r>
-            <a:r>
-              <a:rPr lang="en-US" dirty="0" smtClean="0">
-                <a:latin typeface="Consolas" panose="020B0609020204030204" pitchFamily="49" charset="0"/>
-              </a:rPr>
-              <a:t>(Player p) {</a:t>
-            </a:r>
-          </a:p>
-          <a:p>
-            <a:pPr marL="0" indent="0">
-              <a:buNone/>
-            </a:pPr>
-            <a:r>
-              <a:rPr lang="en-US" dirty="0" smtClean="0">
-                <a:latin typeface="Consolas" panose="020B0609020204030204" pitchFamily="49" charset="0"/>
-              </a:rPr>
-              <a:t>   // code to increase speed</a:t>
             </a:r>
             <a:endParaRPr lang="en-US" dirty="0">
               <a:latin typeface="Consolas" panose="020B0609020204030204" pitchFamily="49" charset="0"/>
@@ -7289,7 +7059,41 @@
               <a:buNone/>
             </a:pPr>
             <a:r>
-              <a:rPr lang="en-US" dirty="0" smtClean="0">
+              <a:rPr lang="en-US" dirty="0">
+                <a:latin typeface="Consolas" panose="020B0609020204030204" pitchFamily="49" charset="0"/>
+              </a:rPr>
+              <a:t>void </a:t>
+            </a:r>
+            <a:r>
+              <a:rPr lang="en-US" b="1" dirty="0" err="1">
+                <a:latin typeface="Consolas" panose="020B0609020204030204" pitchFamily="49" charset="0"/>
+              </a:rPr>
+              <a:t>collideWithPlayer</a:t>
+            </a:r>
+            <a:r>
+              <a:rPr lang="en-US" dirty="0">
+                <a:latin typeface="Consolas" panose="020B0609020204030204" pitchFamily="49" charset="0"/>
+              </a:rPr>
+              <a:t>(Player p) {</a:t>
+            </a:r>
+          </a:p>
+          <a:p>
+            <a:pPr marL="0" indent="0">
+              <a:buNone/>
+            </a:pPr>
+            <a:r>
+              <a:rPr lang="en-US" dirty="0">
+                <a:latin typeface="Consolas" panose="020B0609020204030204" pitchFamily="49" charset="0"/>
+              </a:rPr>
+              <a:t>   // code to increase speed</a:t>
+            </a:r>
+          </a:p>
+          <a:p>
+            <a:pPr marL="0" indent="0">
+              <a:buNone/>
+            </a:pPr>
+            <a:r>
+              <a:rPr lang="en-US" dirty="0">
                 <a:latin typeface="Consolas" panose="020B0609020204030204" pitchFamily="49" charset="0"/>
               </a:rPr>
               <a:t>}</a:t>

--- a/ClassMaterials/CollisionHandling/Slides/Part3-MultipleDispatch.pptx
+++ b/ClassMaterials/CollisionHandling/Slides/Part3-MultipleDispatch.pptx
@@ -284,7 +284,7 @@
             <a:fld id="{68AFFCC9-E980-4A2E-8F84-91052C1F2C22}" type="datetime1">
               <a:rPr lang="en-US"/>
               <a:pPr/>
-              <a:t>2/1/2024</a:t>
+              <a:t>5/8/2025</a:t>
             </a:fld>
             <a:endParaRPr lang="en-US"/>
           </a:p>
@@ -513,7 +513,7 @@
             <a:fld id="{C4411CED-79EF-4046-B79B-F8927B54B6B0}" type="datetime1">
               <a:rPr lang="en-US"/>
               <a:pPr/>
-              <a:t>2/1/2024</a:t>
+              <a:t>5/8/2025</a:t>
             </a:fld>
             <a:endParaRPr lang="en-US"/>
           </a:p>
@@ -1906,7 +1906,7 @@
             <a:fld id="{43E6E5DC-7A70-4CAB-B8CA-FD7CFBA6DDCF}" type="datetime1">
               <a:rPr lang="en-US" smtClean="0"/>
               <a:pPr/>
-              <a:t>2/1/2024</a:t>
+              <a:t>5/8/2025</a:t>
             </a:fld>
             <a:endParaRPr lang="en-US"/>
           </a:p>
@@ -2079,7 +2079,7 @@
             <a:fld id="{34C58A64-F6CF-4D4F-A14E-4E9A6689521C}" type="datetime1">
               <a:rPr lang="en-US" smtClean="0"/>
               <a:pPr/>
-              <a:t>2/1/2024</a:t>
+              <a:t>5/8/2025</a:t>
             </a:fld>
             <a:endParaRPr lang="en-US"/>
           </a:p>
@@ -2262,7 +2262,7 @@
             <a:fld id="{28A961FD-7946-4EF3-8B09-2E96C5099CE1}" type="datetime1">
               <a:rPr lang="en-US" smtClean="0"/>
               <a:pPr/>
-              <a:t>2/1/2024</a:t>
+              <a:t>5/8/2025</a:t>
             </a:fld>
             <a:endParaRPr lang="en-US"/>
           </a:p>
@@ -2435,7 +2435,7 @@
             <a:fld id="{410E03A8-3A50-4824-93B1-5AB2817A85E6}" type="datetime1">
               <a:rPr lang="en-US" smtClean="0"/>
               <a:pPr/>
-              <a:t>2/1/2024</a:t>
+              <a:t>5/8/2025</a:t>
             </a:fld>
             <a:endParaRPr lang="en-US"/>
           </a:p>
@@ -2685,7 +2685,7 @@
             <a:fld id="{69EE78C3-2E3E-4EDD-A8FC-A11FEA9CDF04}" type="datetime1">
               <a:rPr lang="en-US" smtClean="0"/>
               <a:pPr/>
-              <a:t>2/1/2024</a:t>
+              <a:t>5/8/2025</a:t>
             </a:fld>
             <a:endParaRPr lang="en-US"/>
           </a:p>
@@ -2975,7 +2975,7 @@
             <a:fld id="{9CAD6738-AE48-490E-BA60-16B31C3E5798}" type="datetime1">
               <a:rPr lang="en-US" smtClean="0"/>
               <a:pPr/>
-              <a:t>2/1/2024</a:t>
+              <a:t>5/8/2025</a:t>
             </a:fld>
             <a:endParaRPr lang="en-US"/>
           </a:p>
@@ -3399,7 +3399,7 @@
             <a:fld id="{12137309-80BC-4890-B91A-AB9885E172E5}" type="datetime1">
               <a:rPr lang="en-US" smtClean="0"/>
               <a:pPr/>
-              <a:t>2/1/2024</a:t>
+              <a:t>5/8/2025</a:t>
             </a:fld>
             <a:endParaRPr lang="en-US"/>
           </a:p>
@@ -3521,7 +3521,7 @@
             <a:fld id="{79C16A63-0F78-4E9D-81E4-A84E1F25A0A3}" type="datetime1">
               <a:rPr lang="en-US" smtClean="0"/>
               <a:pPr/>
-              <a:t>2/1/2024</a:t>
+              <a:t>5/8/2025</a:t>
             </a:fld>
             <a:endParaRPr lang="en-US"/>
           </a:p>
@@ -3621,7 +3621,7 @@
             <a:fld id="{DC5FF9E9-979C-4422-A1BB-1DC64426F0DA}" type="datetime1">
               <a:rPr lang="en-US" smtClean="0"/>
               <a:pPr/>
-              <a:t>2/1/2024</a:t>
+              <a:t>5/8/2025</a:t>
             </a:fld>
             <a:endParaRPr lang="en-US"/>
           </a:p>
@@ -3901,7 +3901,7 @@
             <a:fld id="{B9B7020D-910B-4676-A902-AD52382F28B6}" type="datetime1">
               <a:rPr lang="en-US" smtClean="0"/>
               <a:pPr/>
-              <a:t>2/1/2024</a:t>
+              <a:t>5/8/2025</a:t>
             </a:fld>
             <a:endParaRPr lang="en-US"/>
           </a:p>
@@ -4158,7 +4158,7 @@
             <a:fld id="{4695FF79-924D-47D6-A727-6A03000C0C91}" type="datetime1">
               <a:rPr lang="en-US" smtClean="0"/>
               <a:pPr/>
-              <a:t>2/1/2024</a:t>
+              <a:t>5/8/2025</a:t>
             </a:fld>
             <a:endParaRPr lang="en-US"/>
           </a:p>
@@ -4374,7 +4374,7 @@
             <a:fld id="{A51E304D-C692-4D58-A925-D35D66927263}" type="datetime1">
               <a:rPr lang="en-US" smtClean="0"/>
               <a:pPr/>
-              <a:t>2/1/2024</a:t>
+              <a:t>5/8/2025</a:t>
             </a:fld>
             <a:endParaRPr lang="en-US"/>
           </a:p>
@@ -4876,16 +4876,12 @@
               <a:defRPr/>
             </a:pPr>
             <a:r>
-              <a:rPr lang="en-US" dirty="0"/>
+              <a:rPr lang="en-US"/>
               <a:t>Checkout </a:t>
             </a:r>
             <a:r>
-              <a:rPr lang="en-US" i="1" dirty="0" err="1"/>
-              <a:t>PracticeSolutionMultipleDispatchAdvanced</a:t>
-            </a:r>
-            <a:r>
-              <a:rPr lang="en-US" i="1" dirty="0"/>
-              <a:t> </a:t>
+              <a:rPr lang="en-US" i="1"/>
+              <a:t>PracticeSolutionMultipleDispatchAdvanced </a:t>
             </a:r>
             <a:r>
               <a:rPr lang="en-US" dirty="0"/>
@@ -5632,7 +5628,7 @@
         <p:spPr>
           <a:xfrm>
             <a:off x="2819400" y="5943600"/>
-            <a:ext cx="6172200" cy="646331"/>
+            <a:ext cx="6172200" cy="369332"/>
           </a:xfrm>
           <a:prstGeom prst="rect">
             <a:avLst/>
@@ -5648,32 +5644,13 @@
           <a:lstStyle/>
           <a:p>
             <a:r>
-              <a:rPr lang="en-US" i="1" dirty="0" err="1"/>
-              <a:t>MultipleDispatchAdvancedSolution</a:t>
+              <a:rPr lang="en-US" i="1" dirty="0"/>
+              <a:t>PracticeSolutionMultipleDispatchAdvanced</a:t>
             </a:r>
             <a:r>
               <a:rPr lang="en-US" dirty="0"/>
               <a:t> in repo</a:t>
             </a:r>
-          </a:p>
-          <a:p>
-            <a:r>
-              <a:rPr lang="en-US" dirty="0"/>
-              <a:t>Also, </a:t>
-            </a:r>
-            <a:r>
-              <a:rPr lang="en-US" i="1" dirty="0" err="1"/>
-              <a:t>DoubleDispatch</a:t>
-            </a:r>
-            <a:r>
-              <a:rPr lang="en-US" dirty="0"/>
-              <a:t> &amp; </a:t>
-            </a:r>
-            <a:r>
-              <a:rPr lang="en-US" i="1" dirty="0" err="1"/>
-              <a:t>DoubleDispatchSolution</a:t>
-            </a:r>
-            <a:endParaRPr lang="en-US" i="1" dirty="0"/>
           </a:p>
         </p:txBody>
       </p:sp>
